--- a/SEM-5/OOMD/Unit 4/4th unit.pptx
+++ b/SEM-5/OOMD/Unit 4/4th unit.pptx
@@ -180,6 +180,22 @@
       </a:defRPr>
     </a:lvl9pPr>
   </p:defaultTextStyle>
+  <p:extLst>
+    <p:ext uri="{EFAFB233-063F-42B5-8137-9DF3F51BA10A}">
+      <p15:sldGuideLst xmlns:p15="http://schemas.microsoft.com/office/powerpoint/2012/main">
+        <p15:guide id="1" orient="horz" pos="2160">
+          <p15:clr>
+            <a:srgbClr val="A4A3A4"/>
+          </p15:clr>
+        </p15:guide>
+        <p15:guide id="2" pos="2880">
+          <p15:clr>
+            <a:srgbClr val="A4A3A4"/>
+          </p15:clr>
+        </p15:guide>
+      </p15:sldGuideLst>
+    </p:ext>
+  </p:extLst>
 </p:presentation>
 </file>
 
@@ -266,7 +282,7 @@
             <a:fld id="{B9B25372-18D9-48B9-854C-9DFF3434105F}" type="datetimeFigureOut">
               <a:rPr lang="en-US" smtClean="0"/>
               <a:pPr/>
-              <a:t>11/30/2020</a:t>
+              <a:t>1/22/2023</a:t>
             </a:fld>
             <a:endParaRPr lang="en-US"/>
           </a:p>
@@ -332,38 +348,37 @@
           <a:p>
             <a:pPr lvl="0"/>
             <a:r>
-              <a:rPr lang="en-US" smtClean="0"/>
+              <a:rPr lang="en-US"/>
               <a:t>Click to edit Master text styles</a:t>
             </a:r>
           </a:p>
           <a:p>
             <a:pPr lvl="1"/>
             <a:r>
-              <a:rPr lang="en-US" smtClean="0"/>
+              <a:rPr lang="en-US"/>
               <a:t>Second level</a:t>
             </a:r>
           </a:p>
           <a:p>
             <a:pPr lvl="2"/>
             <a:r>
-              <a:rPr lang="en-US" smtClean="0"/>
+              <a:rPr lang="en-US"/>
               <a:t>Third level</a:t>
             </a:r>
           </a:p>
           <a:p>
             <a:pPr lvl="3"/>
             <a:r>
-              <a:rPr lang="en-US" smtClean="0"/>
+              <a:rPr lang="en-US"/>
               <a:t>Fourth level</a:t>
             </a:r>
           </a:p>
           <a:p>
             <a:pPr lvl="4"/>
             <a:r>
-              <a:rPr lang="en-US" smtClean="0"/>
+              <a:rPr lang="en-US"/>
               <a:t>Fifth level</a:t>
             </a:r>
-            <a:endParaRPr lang="en-US"/>
           </a:p>
         </p:txBody>
       </p:sp>
@@ -570,10 +585,9 @@
           <a:lstStyle/>
           <a:p>
             <a:r>
-              <a:rPr lang="en-US" smtClean="0"/>
+              <a:rPr lang="en-US"/>
               <a:t>Click to edit Master title style</a:t>
             </a:r>
-            <a:endParaRPr lang="en-US"/>
           </a:p>
         </p:txBody>
       </p:sp>
@@ -689,10 +703,9 @@
           </a:lstStyle>
           <a:p>
             <a:r>
-              <a:rPr lang="en-US" smtClean="0"/>
+              <a:rPr lang="en-US"/>
               <a:t>Click to edit Master subtitle style</a:t>
             </a:r>
-            <a:endParaRPr lang="en-US"/>
           </a:p>
         </p:txBody>
       </p:sp>
@@ -714,7 +727,7 @@
             <a:fld id="{4A0EE85C-87B1-406A-BE04-19887409EE2D}" type="datetime1">
               <a:rPr lang="en-US" smtClean="0"/>
               <a:pPr/>
-              <a:t>11/30/2020</a:t>
+              <a:t>1/22/2023</a:t>
             </a:fld>
             <a:endParaRPr lang="en-US"/>
           </a:p>
@@ -805,10 +818,9 @@
           <a:lstStyle/>
           <a:p>
             <a:r>
-              <a:rPr lang="en-US" smtClean="0"/>
+              <a:rPr lang="en-US"/>
               <a:t>Click to edit Master title style</a:t>
             </a:r>
-            <a:endParaRPr lang="en-US"/>
           </a:p>
         </p:txBody>
       </p:sp>
@@ -829,38 +841,37 @@
           <a:p>
             <a:pPr lvl="0"/>
             <a:r>
-              <a:rPr lang="en-US" smtClean="0"/>
+              <a:rPr lang="en-US"/>
               <a:t>Click to edit Master text styles</a:t>
             </a:r>
           </a:p>
           <a:p>
             <a:pPr lvl="1"/>
             <a:r>
-              <a:rPr lang="en-US" smtClean="0"/>
+              <a:rPr lang="en-US"/>
               <a:t>Second level</a:t>
             </a:r>
           </a:p>
           <a:p>
             <a:pPr lvl="2"/>
             <a:r>
-              <a:rPr lang="en-US" smtClean="0"/>
+              <a:rPr lang="en-US"/>
               <a:t>Third level</a:t>
             </a:r>
           </a:p>
           <a:p>
             <a:pPr lvl="3"/>
             <a:r>
-              <a:rPr lang="en-US" smtClean="0"/>
+              <a:rPr lang="en-US"/>
               <a:t>Fourth level</a:t>
             </a:r>
           </a:p>
           <a:p>
             <a:pPr lvl="4"/>
             <a:r>
-              <a:rPr lang="en-US" smtClean="0"/>
+              <a:rPr lang="en-US"/>
               <a:t>Fifth level</a:t>
             </a:r>
-            <a:endParaRPr lang="en-US"/>
           </a:p>
         </p:txBody>
       </p:sp>
@@ -882,7 +893,7 @@
             <a:fld id="{9C49541B-8B7C-4761-90C6-3A1BF2BB756B}" type="datetime1">
               <a:rPr lang="en-US" smtClean="0"/>
               <a:pPr/>
-              <a:t>11/30/2020</a:t>
+              <a:t>1/22/2023</a:t>
             </a:fld>
             <a:endParaRPr lang="en-US"/>
           </a:p>
@@ -978,10 +989,9 @@
           <a:lstStyle/>
           <a:p>
             <a:r>
-              <a:rPr lang="en-US" smtClean="0"/>
+              <a:rPr lang="en-US"/>
               <a:t>Click to edit Master title style</a:t>
             </a:r>
-            <a:endParaRPr lang="en-US"/>
           </a:p>
         </p:txBody>
       </p:sp>
@@ -1007,38 +1017,37 @@
           <a:p>
             <a:pPr lvl="0"/>
             <a:r>
-              <a:rPr lang="en-US" smtClean="0"/>
+              <a:rPr lang="en-US"/>
               <a:t>Click to edit Master text styles</a:t>
             </a:r>
           </a:p>
           <a:p>
             <a:pPr lvl="1"/>
             <a:r>
-              <a:rPr lang="en-US" smtClean="0"/>
+              <a:rPr lang="en-US"/>
               <a:t>Second level</a:t>
             </a:r>
           </a:p>
           <a:p>
             <a:pPr lvl="2"/>
             <a:r>
-              <a:rPr lang="en-US" smtClean="0"/>
+              <a:rPr lang="en-US"/>
               <a:t>Third level</a:t>
             </a:r>
           </a:p>
           <a:p>
             <a:pPr lvl="3"/>
             <a:r>
-              <a:rPr lang="en-US" smtClean="0"/>
+              <a:rPr lang="en-US"/>
               <a:t>Fourth level</a:t>
             </a:r>
           </a:p>
           <a:p>
             <a:pPr lvl="4"/>
             <a:r>
-              <a:rPr lang="en-US" smtClean="0"/>
+              <a:rPr lang="en-US"/>
               <a:t>Fifth level</a:t>
             </a:r>
-            <a:endParaRPr lang="en-US"/>
           </a:p>
         </p:txBody>
       </p:sp>
@@ -1060,7 +1069,7 @@
             <a:fld id="{1BC3CAC5-B331-45C2-8C98-EFCB9A59AA86}" type="datetime1">
               <a:rPr lang="en-US" smtClean="0"/>
               <a:pPr/>
-              <a:t>11/30/2020</a:t>
+              <a:t>1/22/2023</a:t>
             </a:fld>
             <a:endParaRPr lang="en-US"/>
           </a:p>
@@ -1151,10 +1160,9 @@
           <a:lstStyle/>
           <a:p>
             <a:r>
-              <a:rPr lang="en-US" smtClean="0"/>
+              <a:rPr lang="en-US"/>
               <a:t>Click to edit Master title style</a:t>
             </a:r>
-            <a:endParaRPr lang="en-US"/>
           </a:p>
         </p:txBody>
       </p:sp>
@@ -1175,38 +1183,37 @@
           <a:p>
             <a:pPr lvl="0"/>
             <a:r>
-              <a:rPr lang="en-US" smtClean="0"/>
+              <a:rPr lang="en-US"/>
               <a:t>Click to edit Master text styles</a:t>
             </a:r>
           </a:p>
           <a:p>
             <a:pPr lvl="1"/>
             <a:r>
-              <a:rPr lang="en-US" smtClean="0"/>
+              <a:rPr lang="en-US"/>
               <a:t>Second level</a:t>
             </a:r>
           </a:p>
           <a:p>
             <a:pPr lvl="2"/>
             <a:r>
-              <a:rPr lang="en-US" smtClean="0"/>
+              <a:rPr lang="en-US"/>
               <a:t>Third level</a:t>
             </a:r>
           </a:p>
           <a:p>
             <a:pPr lvl="3"/>
             <a:r>
-              <a:rPr lang="en-US" smtClean="0"/>
+              <a:rPr lang="en-US"/>
               <a:t>Fourth level</a:t>
             </a:r>
           </a:p>
           <a:p>
             <a:pPr lvl="4"/>
             <a:r>
-              <a:rPr lang="en-US" smtClean="0"/>
+              <a:rPr lang="en-US"/>
               <a:t>Fifth level</a:t>
             </a:r>
-            <a:endParaRPr lang="en-US"/>
           </a:p>
         </p:txBody>
       </p:sp>
@@ -1228,7 +1235,7 @@
             <a:fld id="{84D78EF5-DACC-4A4F-95BE-C9EA8E073ED7}" type="datetime1">
               <a:rPr lang="en-US" smtClean="0"/>
               <a:pPr/>
-              <a:t>11/30/2020</a:t>
+              <a:t>1/22/2023</a:t>
             </a:fld>
             <a:endParaRPr lang="en-US"/>
           </a:p>
@@ -1328,10 +1335,9 @@
           </a:lstStyle>
           <a:p>
             <a:r>
-              <a:rPr lang="en-US" smtClean="0"/>
+              <a:rPr lang="en-US"/>
               <a:t>Click to edit Master title style</a:t>
             </a:r>
-            <a:endParaRPr lang="en-US"/>
           </a:p>
         </p:txBody>
       </p:sp>
@@ -1448,7 +1454,7 @@
           <a:p>
             <a:pPr lvl="0"/>
             <a:r>
-              <a:rPr lang="en-US" smtClean="0"/>
+              <a:rPr lang="en-US"/>
               <a:t>Click to edit Master text styles</a:t>
             </a:r>
           </a:p>
@@ -1472,7 +1478,7 @@
             <a:fld id="{4CC6361D-AD38-4F82-98C0-3BA2BD29EFD2}" type="datetime1">
               <a:rPr lang="en-US" smtClean="0"/>
               <a:pPr/>
-              <a:t>11/30/2020</a:t>
+              <a:t>1/22/2023</a:t>
             </a:fld>
             <a:endParaRPr lang="en-US"/>
           </a:p>
@@ -1563,10 +1569,9 @@
           <a:lstStyle/>
           <a:p>
             <a:r>
-              <a:rPr lang="en-US" smtClean="0"/>
+              <a:rPr lang="en-US"/>
               <a:t>Click to edit Master title style</a:t>
             </a:r>
-            <a:endParaRPr lang="en-US"/>
           </a:p>
         </p:txBody>
       </p:sp>
@@ -1620,38 +1625,37 @@
           <a:p>
             <a:pPr lvl="0"/>
             <a:r>
-              <a:rPr lang="en-US" smtClean="0"/>
+              <a:rPr lang="en-US"/>
               <a:t>Click to edit Master text styles</a:t>
             </a:r>
           </a:p>
           <a:p>
             <a:pPr lvl="1"/>
             <a:r>
-              <a:rPr lang="en-US" smtClean="0"/>
+              <a:rPr lang="en-US"/>
               <a:t>Second level</a:t>
             </a:r>
           </a:p>
           <a:p>
             <a:pPr lvl="2"/>
             <a:r>
-              <a:rPr lang="en-US" smtClean="0"/>
+              <a:rPr lang="en-US"/>
               <a:t>Third level</a:t>
             </a:r>
           </a:p>
           <a:p>
             <a:pPr lvl="3"/>
             <a:r>
-              <a:rPr lang="en-US" smtClean="0"/>
+              <a:rPr lang="en-US"/>
               <a:t>Fourth level</a:t>
             </a:r>
           </a:p>
           <a:p>
             <a:pPr lvl="4"/>
             <a:r>
-              <a:rPr lang="en-US" smtClean="0"/>
+              <a:rPr lang="en-US"/>
               <a:t>Fifth level</a:t>
             </a:r>
-            <a:endParaRPr lang="en-US"/>
           </a:p>
         </p:txBody>
       </p:sp>
@@ -1705,38 +1709,37 @@
           <a:p>
             <a:pPr lvl="0"/>
             <a:r>
-              <a:rPr lang="en-US" smtClean="0"/>
+              <a:rPr lang="en-US"/>
               <a:t>Click to edit Master text styles</a:t>
             </a:r>
           </a:p>
           <a:p>
             <a:pPr lvl="1"/>
             <a:r>
-              <a:rPr lang="en-US" smtClean="0"/>
+              <a:rPr lang="en-US"/>
               <a:t>Second level</a:t>
             </a:r>
           </a:p>
           <a:p>
             <a:pPr lvl="2"/>
             <a:r>
-              <a:rPr lang="en-US" smtClean="0"/>
+              <a:rPr lang="en-US"/>
               <a:t>Third level</a:t>
             </a:r>
           </a:p>
           <a:p>
             <a:pPr lvl="3"/>
             <a:r>
-              <a:rPr lang="en-US" smtClean="0"/>
+              <a:rPr lang="en-US"/>
               <a:t>Fourth level</a:t>
             </a:r>
           </a:p>
           <a:p>
             <a:pPr lvl="4"/>
             <a:r>
-              <a:rPr lang="en-US" smtClean="0"/>
+              <a:rPr lang="en-US"/>
               <a:t>Fifth level</a:t>
             </a:r>
-            <a:endParaRPr lang="en-US"/>
           </a:p>
         </p:txBody>
       </p:sp>
@@ -1758,7 +1761,7 @@
             <a:fld id="{BAAB5039-707D-4B39-9BB4-FB11DAA2E69B}" type="datetime1">
               <a:rPr lang="en-US" smtClean="0"/>
               <a:pPr/>
-              <a:t>11/30/2020</a:t>
+              <a:t>1/22/2023</a:t>
             </a:fld>
             <a:endParaRPr lang="en-US"/>
           </a:p>
@@ -1853,10 +1856,9 @@
           </a:lstStyle>
           <a:p>
             <a:r>
-              <a:rPr lang="en-US" smtClean="0"/>
+              <a:rPr lang="en-US"/>
               <a:t>Click to edit Master title style</a:t>
             </a:r>
-            <a:endParaRPr lang="en-US"/>
           </a:p>
         </p:txBody>
       </p:sp>
@@ -1919,7 +1921,7 @@
           <a:p>
             <a:pPr lvl="0"/>
             <a:r>
-              <a:rPr lang="en-US" smtClean="0"/>
+              <a:rPr lang="en-US"/>
               <a:t>Click to edit Master text styles</a:t>
             </a:r>
           </a:p>
@@ -1975,38 +1977,37 @@
           <a:p>
             <a:pPr lvl="0"/>
             <a:r>
-              <a:rPr lang="en-US" smtClean="0"/>
+              <a:rPr lang="en-US"/>
               <a:t>Click to edit Master text styles</a:t>
             </a:r>
           </a:p>
           <a:p>
             <a:pPr lvl="1"/>
             <a:r>
-              <a:rPr lang="en-US" smtClean="0"/>
+              <a:rPr lang="en-US"/>
               <a:t>Second level</a:t>
             </a:r>
           </a:p>
           <a:p>
             <a:pPr lvl="2"/>
             <a:r>
-              <a:rPr lang="en-US" smtClean="0"/>
+              <a:rPr lang="en-US"/>
               <a:t>Third level</a:t>
             </a:r>
           </a:p>
           <a:p>
             <a:pPr lvl="3"/>
             <a:r>
-              <a:rPr lang="en-US" smtClean="0"/>
+              <a:rPr lang="en-US"/>
               <a:t>Fourth level</a:t>
             </a:r>
           </a:p>
           <a:p>
             <a:pPr lvl="4"/>
             <a:r>
-              <a:rPr lang="en-US" smtClean="0"/>
+              <a:rPr lang="en-US"/>
               <a:t>Fifth level</a:t>
             </a:r>
-            <a:endParaRPr lang="en-US"/>
           </a:p>
         </p:txBody>
       </p:sp>
@@ -2069,7 +2070,7 @@
           <a:p>
             <a:pPr lvl="0"/>
             <a:r>
-              <a:rPr lang="en-US" smtClean="0"/>
+              <a:rPr lang="en-US"/>
               <a:t>Click to edit Master text styles</a:t>
             </a:r>
           </a:p>
@@ -2125,38 +2126,37 @@
           <a:p>
             <a:pPr lvl="0"/>
             <a:r>
-              <a:rPr lang="en-US" smtClean="0"/>
+              <a:rPr lang="en-US"/>
               <a:t>Click to edit Master text styles</a:t>
             </a:r>
           </a:p>
           <a:p>
             <a:pPr lvl="1"/>
             <a:r>
-              <a:rPr lang="en-US" smtClean="0"/>
+              <a:rPr lang="en-US"/>
               <a:t>Second level</a:t>
             </a:r>
           </a:p>
           <a:p>
             <a:pPr lvl="2"/>
             <a:r>
-              <a:rPr lang="en-US" smtClean="0"/>
+              <a:rPr lang="en-US"/>
               <a:t>Third level</a:t>
             </a:r>
           </a:p>
           <a:p>
             <a:pPr lvl="3"/>
             <a:r>
-              <a:rPr lang="en-US" smtClean="0"/>
+              <a:rPr lang="en-US"/>
               <a:t>Fourth level</a:t>
             </a:r>
           </a:p>
           <a:p>
             <a:pPr lvl="4"/>
             <a:r>
-              <a:rPr lang="en-US" smtClean="0"/>
+              <a:rPr lang="en-US"/>
               <a:t>Fifth level</a:t>
             </a:r>
-            <a:endParaRPr lang="en-US"/>
           </a:p>
         </p:txBody>
       </p:sp>
@@ -2178,7 +2178,7 @@
             <a:fld id="{77D8E871-B59C-4330-9C29-E63C96B54FCA}" type="datetime1">
               <a:rPr lang="en-US" smtClean="0"/>
               <a:pPr/>
-              <a:t>11/30/2020</a:t>
+              <a:t>1/22/2023</a:t>
             </a:fld>
             <a:endParaRPr lang="en-US"/>
           </a:p>
@@ -2269,10 +2269,9 @@
           <a:lstStyle/>
           <a:p>
             <a:r>
-              <a:rPr lang="en-US" smtClean="0"/>
+              <a:rPr lang="en-US"/>
               <a:t>Click to edit Master title style</a:t>
             </a:r>
-            <a:endParaRPr lang="en-US"/>
           </a:p>
         </p:txBody>
       </p:sp>
@@ -2294,7 +2293,7 @@
             <a:fld id="{E0949C82-57C8-4864-AEF4-78F7F519121F}" type="datetime1">
               <a:rPr lang="en-US" smtClean="0"/>
               <a:pPr/>
-              <a:t>11/30/2020</a:t>
+              <a:t>1/22/2023</a:t>
             </a:fld>
             <a:endParaRPr lang="en-US"/>
           </a:p>
@@ -2387,7 +2386,7 @@
             <a:fld id="{54B9E3A4-CE2D-41C6-BFF9-D88F4E939040}" type="datetime1">
               <a:rPr lang="en-US" smtClean="0"/>
               <a:pPr/>
-              <a:t>11/30/2020</a:t>
+              <a:t>1/22/2023</a:t>
             </a:fld>
             <a:endParaRPr lang="en-US"/>
           </a:p>
@@ -2487,10 +2486,9 @@
           </a:lstStyle>
           <a:p>
             <a:r>
-              <a:rPr lang="en-US" smtClean="0"/>
+              <a:rPr lang="en-US"/>
               <a:t>Click to edit Master title style</a:t>
             </a:r>
-            <a:endParaRPr lang="en-US"/>
           </a:p>
         </p:txBody>
       </p:sp>
@@ -2544,38 +2542,37 @@
           <a:p>
             <a:pPr lvl="0"/>
             <a:r>
-              <a:rPr lang="en-US" smtClean="0"/>
+              <a:rPr lang="en-US"/>
               <a:t>Click to edit Master text styles</a:t>
             </a:r>
           </a:p>
           <a:p>
             <a:pPr lvl="1"/>
             <a:r>
-              <a:rPr lang="en-US" smtClean="0"/>
+              <a:rPr lang="en-US"/>
               <a:t>Second level</a:t>
             </a:r>
           </a:p>
           <a:p>
             <a:pPr lvl="2"/>
             <a:r>
-              <a:rPr lang="en-US" smtClean="0"/>
+              <a:rPr lang="en-US"/>
               <a:t>Third level</a:t>
             </a:r>
           </a:p>
           <a:p>
             <a:pPr lvl="3"/>
             <a:r>
-              <a:rPr lang="en-US" smtClean="0"/>
+              <a:rPr lang="en-US"/>
               <a:t>Fourth level</a:t>
             </a:r>
           </a:p>
           <a:p>
             <a:pPr lvl="4"/>
             <a:r>
-              <a:rPr lang="en-US" smtClean="0"/>
+              <a:rPr lang="en-US"/>
               <a:t>Fifth level</a:t>
             </a:r>
-            <a:endParaRPr lang="en-US"/>
           </a:p>
         </p:txBody>
       </p:sp>
@@ -2638,7 +2635,7 @@
           <a:p>
             <a:pPr lvl="0"/>
             <a:r>
-              <a:rPr lang="en-US" smtClean="0"/>
+              <a:rPr lang="en-US"/>
               <a:t>Click to edit Master text styles</a:t>
             </a:r>
           </a:p>
@@ -2662,7 +2659,7 @@
             <a:fld id="{1C5E2F93-3F6E-441E-B1F6-F1704A0F1F4E}" type="datetime1">
               <a:rPr lang="en-US" smtClean="0"/>
               <a:pPr/>
-              <a:t>11/30/2020</a:t>
+              <a:t>1/22/2023</a:t>
             </a:fld>
             <a:endParaRPr lang="en-US"/>
           </a:p>
@@ -2762,10 +2759,9 @@
           </a:lstStyle>
           <a:p>
             <a:r>
-              <a:rPr lang="en-US" smtClean="0"/>
+              <a:rPr lang="en-US"/>
               <a:t>Click to edit Master title style</a:t>
             </a:r>
-            <a:endParaRPr lang="en-US"/>
           </a:p>
         </p:txBody>
       </p:sp>
@@ -2889,7 +2885,7 @@
           <a:p>
             <a:pPr lvl="0"/>
             <a:r>
-              <a:rPr lang="en-US" smtClean="0"/>
+              <a:rPr lang="en-US"/>
               <a:t>Click to edit Master text styles</a:t>
             </a:r>
           </a:p>
@@ -2913,7 +2909,7 @@
             <a:fld id="{887A2DF2-1DF9-450A-B998-ACB6CB7BD09B}" type="datetime1">
               <a:rPr lang="en-US" smtClean="0"/>
               <a:pPr/>
-              <a:t>11/30/2020</a:t>
+              <a:t>1/22/2023</a:t>
             </a:fld>
             <a:endParaRPr lang="en-US"/>
           </a:p>
@@ -3019,10 +3015,9 @@
           <a:lstStyle/>
           <a:p>
             <a:r>
-              <a:rPr lang="en-US" smtClean="0"/>
+              <a:rPr lang="en-US"/>
               <a:t>Click to edit Master title style</a:t>
             </a:r>
-            <a:endParaRPr lang="en-US"/>
           </a:p>
         </p:txBody>
       </p:sp>
@@ -3053,38 +3048,37 @@
           <a:p>
             <a:pPr lvl="0"/>
             <a:r>
-              <a:rPr lang="en-US" smtClean="0"/>
+              <a:rPr lang="en-US"/>
               <a:t>Click to edit Master text styles</a:t>
             </a:r>
           </a:p>
           <a:p>
             <a:pPr lvl="1"/>
             <a:r>
-              <a:rPr lang="en-US" smtClean="0"/>
+              <a:rPr lang="en-US"/>
               <a:t>Second level</a:t>
             </a:r>
           </a:p>
           <a:p>
             <a:pPr lvl="2"/>
             <a:r>
-              <a:rPr lang="en-US" smtClean="0"/>
+              <a:rPr lang="en-US"/>
               <a:t>Third level</a:t>
             </a:r>
           </a:p>
           <a:p>
             <a:pPr lvl="3"/>
             <a:r>
-              <a:rPr lang="en-US" smtClean="0"/>
+              <a:rPr lang="en-US"/>
               <a:t>Fourth level</a:t>
             </a:r>
           </a:p>
           <a:p>
             <a:pPr lvl="4"/>
             <a:r>
-              <a:rPr lang="en-US" smtClean="0"/>
+              <a:rPr lang="en-US"/>
               <a:t>Fifth level</a:t>
             </a:r>
-            <a:endParaRPr lang="en-US"/>
           </a:p>
         </p:txBody>
       </p:sp>
@@ -3124,7 +3118,7 @@
             <a:fld id="{E2A49268-8118-4DB6-AC95-AA6F7EC9386B}" type="datetime1">
               <a:rPr lang="en-US" smtClean="0"/>
               <a:pPr/>
-              <a:t>11/30/2020</a:t>
+              <a:t>1/22/2023</a:t>
             </a:fld>
             <a:endParaRPr lang="en-US"/>
           </a:p>
@@ -3520,10 +3514,9 @@
           <a:lstStyle/>
           <a:p>
             <a:r>
-              <a:rPr lang="en-US" sz="5400" dirty="0" smtClean="0"/>
+              <a:rPr lang="en-US" sz="5400" dirty="0"/>
               <a:t>Domain Analysis</a:t>
             </a:r>
-            <a:endParaRPr lang="en-US" sz="5400" dirty="0"/>
           </a:p>
         </p:txBody>
       </p:sp>
@@ -3593,10 +3586,9 @@
           <a:lstStyle/>
           <a:p>
             <a:r>
-              <a:rPr lang="en-US" dirty="0" smtClean="0"/>
+              <a:rPr lang="en-US" dirty="0"/>
               <a:t>12.2.2  Keeping the Right Classes</a:t>
             </a:r>
-            <a:endParaRPr lang="en-US" dirty="0"/>
           </a:p>
         </p:txBody>
       </p:sp>
@@ -3618,19 +3610,19 @@
           <a:lstStyle/>
           <a:p>
             <a:r>
-              <a:rPr lang="en-US" dirty="0" smtClean="0"/>
+              <a:rPr lang="en-US" dirty="0"/>
               <a:t>The book has a list of the kinds of classes that can be eliminated from a design</a:t>
             </a:r>
           </a:p>
           <a:p>
             <a:r>
-              <a:rPr lang="en-US" dirty="0" smtClean="0"/>
+              <a:rPr lang="en-US" dirty="0"/>
               <a:t>The descriptive names alone may give an idea of why the classes are not suitable</a:t>
             </a:r>
           </a:p>
           <a:p>
             <a:r>
-              <a:rPr lang="en-US" dirty="0" smtClean="0"/>
+              <a:rPr lang="en-US" dirty="0"/>
               <a:t>In other cases further commentary is helpful</a:t>
             </a:r>
           </a:p>
@@ -3639,30 +3631,30 @@
               <a:buNone/>
             </a:pPr>
             <a:r>
-              <a:rPr lang="en-US" dirty="0" smtClean="0"/>
+              <a:rPr lang="en-US" dirty="0"/>
               <a:t>1.  Redundant classes</a:t>
             </a:r>
           </a:p>
           <a:p>
             <a:r>
-              <a:rPr lang="en-US" dirty="0" smtClean="0"/>
+              <a:rPr lang="en-US" dirty="0"/>
               <a:t>ATM example:  Customer and User are redundant</a:t>
             </a:r>
           </a:p>
           <a:p>
             <a:r>
-              <a:rPr lang="en-US" dirty="0" smtClean="0"/>
+              <a:rPr lang="en-US" dirty="0"/>
               <a:t>Customer is kept because it’s more descriptive</a:t>
             </a:r>
           </a:p>
           <a:p>
             <a:r>
-              <a:rPr lang="en-US" dirty="0" smtClean="0"/>
+              <a:rPr lang="en-US" dirty="0"/>
               <a:t>Customer and passenger in airline ticket booking system</a:t>
             </a:r>
           </a:p>
           <a:p>
-            <a:endParaRPr lang="en-US" dirty="0" smtClean="0"/>
+            <a:endParaRPr lang="en-US" dirty="0"/>
           </a:p>
         </p:txBody>
       </p:sp>
@@ -3821,19 +3813,19 @@
               <a:buNone/>
             </a:pPr>
             <a:r>
-              <a:rPr lang="en-US" dirty="0" smtClean="0"/>
+              <a:rPr lang="en-US" dirty="0"/>
               <a:t>2.  Irrelevant classes:</a:t>
             </a:r>
           </a:p>
           <a:p>
             <a:r>
-              <a:rPr lang="en-US" dirty="0" smtClean="0"/>
+              <a:rPr lang="en-US" dirty="0"/>
               <a:t>ATM example:  Keeping track of Cost is beyond the scope of this application</a:t>
             </a:r>
           </a:p>
           <a:p>
             <a:r>
-              <a:rPr lang="en-US" dirty="0" smtClean="0"/>
+              <a:rPr lang="en-US" dirty="0"/>
               <a:t>In Theater ticket reservation system, the occupation of ticket holder is not important, occupation of theater personnel is important.</a:t>
             </a:r>
           </a:p>
@@ -3842,19 +3834,19 @@
               <a:buNone/>
             </a:pPr>
             <a:r>
-              <a:rPr lang="en-US" dirty="0" smtClean="0"/>
+              <a:rPr lang="en-US" dirty="0"/>
               <a:t>3.  Vague classes</a:t>
             </a:r>
           </a:p>
           <a:p>
             <a:r>
-              <a:rPr lang="en-US" dirty="0" smtClean="0"/>
+              <a:rPr lang="en-US" dirty="0"/>
               <a:t>ATM example:  Record Keeping Provision is vague</a:t>
             </a:r>
           </a:p>
           <a:p>
             <a:r>
-              <a:rPr lang="en-US" dirty="0" smtClean="0"/>
+              <a:rPr lang="en-US" dirty="0"/>
               <a:t>It is most likely part of a Transaction</a:t>
             </a:r>
           </a:p>
@@ -3934,19 +3926,19 @@
               <a:buNone/>
             </a:pPr>
             <a:r>
-              <a:rPr lang="en-US" dirty="0" smtClean="0"/>
+              <a:rPr lang="en-US" dirty="0"/>
               <a:t>4.  Attributes </a:t>
             </a:r>
           </a:p>
           <a:p>
             <a:r>
-              <a:rPr lang="en-US" dirty="0" smtClean="0"/>
+              <a:rPr lang="en-US" dirty="0"/>
               <a:t>These are things you identify as nouns, but which are attributes of classes, not classes themselves</a:t>
             </a:r>
           </a:p>
           <a:p>
             <a:r>
-              <a:rPr lang="en-US" dirty="0" smtClean="0"/>
+              <a:rPr lang="en-US" dirty="0"/>
               <a:t>ATM example:  Account Data is likely an attribute of an Account</a:t>
             </a:r>
           </a:p>
@@ -3955,18 +3947,18 @@
               <a:buNone/>
             </a:pPr>
             <a:r>
-              <a:rPr lang="en-US" dirty="0" smtClean="0"/>
+              <a:rPr lang="en-US" dirty="0"/>
               <a:t>5.  Operations</a:t>
             </a:r>
           </a:p>
           <a:p>
             <a:r>
-              <a:rPr lang="en-US" dirty="0" smtClean="0"/>
+              <a:rPr lang="en-US" dirty="0"/>
               <a:t>Again, these are things that you identify as nouns, but which turn out to be things which would be implemented as methods within classes, not as classes</a:t>
             </a:r>
           </a:p>
           <a:p>
-            <a:endParaRPr lang="en-US" dirty="0" smtClean="0"/>
+            <a:endParaRPr lang="en-US" dirty="0"/>
           </a:p>
           <a:p>
             <a:endParaRPr lang="en-US" dirty="0"/>
@@ -4044,19 +4036,19 @@
               <a:buNone/>
             </a:pPr>
             <a:r>
-              <a:rPr lang="en-US" dirty="0" smtClean="0"/>
+              <a:rPr lang="en-US" dirty="0"/>
               <a:t>   6.  Roles </a:t>
             </a:r>
           </a:p>
           <a:p>
             <a:r>
-              <a:rPr lang="en-US" dirty="0" smtClean="0"/>
+              <a:rPr lang="en-US" dirty="0"/>
               <a:t>Think sub-type here.  </a:t>
             </a:r>
           </a:p>
           <a:p>
             <a:r>
-              <a:rPr lang="en-US" dirty="0" smtClean="0"/>
+              <a:rPr lang="en-US" dirty="0"/>
               <a:t>A person may be an employee, a boss, a spouse, but a person is a person, not a role.</a:t>
             </a:r>
           </a:p>
@@ -4065,38 +4057,37 @@
               <a:buNone/>
             </a:pPr>
             <a:r>
-              <a:rPr lang="en-US" dirty="0" smtClean="0"/>
+              <a:rPr lang="en-US" dirty="0"/>
               <a:t>  7.  Implementation constructs </a:t>
             </a:r>
           </a:p>
           <a:p>
             <a:r>
-              <a:rPr lang="en-US" dirty="0" smtClean="0"/>
+              <a:rPr lang="en-US" dirty="0"/>
               <a:t>This is a danger whenever letting computer people design applications for users…</a:t>
             </a:r>
           </a:p>
           <a:p>
             <a:r>
-              <a:rPr lang="en-US" dirty="0" smtClean="0"/>
+              <a:rPr lang="en-US" dirty="0"/>
               <a:t>ATM example:  </a:t>
             </a:r>
             <a:r>
-              <a:rPr lang="en-US" dirty="0" err="1" smtClean="0"/>
+              <a:rPr lang="en-US" dirty="0" err="1"/>
               <a:t>TransactionLog</a:t>
             </a:r>
             <a:r>
-              <a:rPr lang="en-US" dirty="0" smtClean="0"/>
+              <a:rPr lang="en-US" dirty="0"/>
               <a:t> and </a:t>
             </a:r>
             <a:r>
-              <a:rPr lang="en-US" dirty="0" err="1" smtClean="0"/>
+              <a:rPr lang="en-US" dirty="0" err="1"/>
               <a:t>CommunicationsLine</a:t>
             </a:r>
             <a:r>
-              <a:rPr lang="en-US" dirty="0" smtClean="0"/>
+              <a:rPr lang="en-US" dirty="0"/>
               <a:t> are instances of this</a:t>
             </a:r>
-            <a:endParaRPr lang="en-US" dirty="0"/>
           </a:p>
         </p:txBody>
       </p:sp>
@@ -4169,28 +4160,27 @@
               <a:buNone/>
             </a:pPr>
             <a:r>
-              <a:rPr lang="en-US" dirty="0" smtClean="0"/>
+              <a:rPr lang="en-US" dirty="0"/>
               <a:t>8.  Derived classes </a:t>
             </a:r>
           </a:p>
           <a:p>
             <a:r>
-              <a:rPr lang="en-US" dirty="0" smtClean="0"/>
+              <a:rPr lang="en-US" dirty="0"/>
               <a:t>The meaning here is not too clear.  </a:t>
             </a:r>
           </a:p>
           <a:p>
             <a:r>
-              <a:rPr lang="en-US" dirty="0" smtClean="0"/>
+              <a:rPr lang="en-US" dirty="0"/>
               <a:t>This does not mean eliminate subclasses specifically.  </a:t>
             </a:r>
           </a:p>
           <a:p>
             <a:r>
-              <a:rPr lang="en-US" dirty="0" smtClean="0"/>
+              <a:rPr lang="en-US" dirty="0"/>
               <a:t>It does mean eliminate identified classes which could just as well be a kind of some other class.</a:t>
             </a:r>
-            <a:endParaRPr lang="en-US" dirty="0"/>
           </a:p>
         </p:txBody>
       </p:sp>
@@ -4260,28 +4250,31 @@
           <a:lstStyle/>
           <a:p>
             <a:r>
-              <a:rPr lang="en-US" dirty="0" smtClean="0"/>
+              <a:rPr lang="en-US" dirty="0"/>
               <a:t>The following overhead shows the ATM example again</a:t>
             </a:r>
           </a:p>
           <a:p>
             <a:r>
-              <a:rPr lang="en-US" dirty="0" smtClean="0"/>
+              <a:rPr lang="en-US" dirty="0">
+                <a:highlight>
+                  <a:srgbClr val="FFFF00"/>
+                </a:highlight>
+              </a:rPr>
               <a:t>Good classes are identified</a:t>
             </a:r>
           </a:p>
           <a:p>
             <a:r>
-              <a:rPr lang="en-US" dirty="0" smtClean="0"/>
+              <a:rPr lang="en-US" dirty="0"/>
               <a:t>Classes to be eliminated are classified according to which of the bad categories they fell into</a:t>
             </a:r>
           </a:p>
           <a:p>
             <a:r>
-              <a:rPr lang="en-US" dirty="0" smtClean="0"/>
+              <a:rPr lang="en-US" dirty="0"/>
               <a:t>Not all of the bad categories are illustrated, just five of them</a:t>
             </a:r>
-            <a:endParaRPr lang="en-US" dirty="0"/>
           </a:p>
         </p:txBody>
       </p:sp>
@@ -4351,10 +4344,9 @@
           <a:lstStyle/>
           <a:p>
             <a:r>
-              <a:rPr lang="en-US" dirty="0" smtClean="0"/>
+              <a:rPr lang="en-US" dirty="0"/>
               <a:t>12.2.3  Preparing a Data Dictionary</a:t>
             </a:r>
-            <a:endParaRPr lang="en-US" dirty="0"/>
           </a:p>
         </p:txBody>
       </p:sp>
@@ -4376,31 +4368,31 @@
           <a:lstStyle/>
           <a:p>
             <a:r>
-              <a:rPr lang="en-US" dirty="0" smtClean="0"/>
+              <a:rPr lang="en-US" dirty="0"/>
               <a:t>This is a deceptively simple requirement</a:t>
             </a:r>
           </a:p>
           <a:p>
             <a:r>
-              <a:rPr lang="en-US" dirty="0" smtClean="0"/>
+              <a:rPr lang="en-US" dirty="0"/>
               <a:t>From the O-O perspective it means that it should be possible to write a concise description of a valid class</a:t>
             </a:r>
           </a:p>
           <a:p>
             <a:r>
-              <a:rPr lang="en-US" dirty="0" smtClean="0"/>
+              <a:rPr lang="en-US" dirty="0"/>
               <a:t>The book illustrates this with the figure shown on the next overhead</a:t>
             </a:r>
           </a:p>
           <a:p>
             <a:r>
-              <a:rPr lang="en-US" dirty="0" smtClean="0"/>
+              <a:rPr lang="en-US" dirty="0"/>
               <a:t>The relational requirement is more concrete</a:t>
             </a:r>
           </a:p>
           <a:p>
             <a:r>
-              <a:rPr lang="en-US" dirty="0" smtClean="0"/>
+              <a:rPr lang="en-US" dirty="0"/>
               <a:t>It should be possible to make a list of all tables and all fields of those tables, identifying the meanings of the fields and what domains they are on.</a:t>
             </a:r>
           </a:p>
@@ -4559,10 +4551,9 @@
           <a:lstStyle/>
           <a:p>
             <a:r>
-              <a:rPr lang="en-US" dirty="0" smtClean="0"/>
+              <a:rPr lang="en-US" dirty="0"/>
               <a:t>12.2.4  Finding Associations</a:t>
             </a:r>
-            <a:endParaRPr lang="en-US" dirty="0"/>
           </a:p>
         </p:txBody>
       </p:sp>
@@ -4584,28 +4575,43 @@
           <a:lstStyle/>
           <a:p>
             <a:r>
-              <a:rPr lang="en-US" dirty="0" smtClean="0"/>
-              <a:t>Again, at this stage, the goal is not to find “is-a” inheritance relationships</a:t>
-            </a:r>
-          </a:p>
-          <a:p>
-            <a:r>
-              <a:rPr lang="en-US" dirty="0" smtClean="0"/>
+              <a:rPr lang="en-US" dirty="0"/>
+              <a:t>Again, at this stage, </a:t>
+            </a:r>
+            <a:r>
+              <a:rPr lang="en-US" dirty="0">
+                <a:highlight>
+                  <a:srgbClr val="FFFF00"/>
+                </a:highlight>
+              </a:rPr>
+              <a:t>the goal is not to find “is-a” inheritance relationships</a:t>
+            </a:r>
+          </a:p>
+          <a:p>
+            <a:r>
+              <a:rPr lang="en-US" dirty="0"/>
               <a:t>It is to find “has-a” relationships</a:t>
             </a:r>
           </a:p>
           <a:p>
             <a:r>
-              <a:rPr lang="en-US" dirty="0" smtClean="0"/>
-              <a:t>In O-O terms, most often this arises when one class has an instance variable that is a reference to an instance of another class</a:t>
-            </a:r>
-          </a:p>
-          <a:p>
-            <a:r>
-              <a:rPr lang="en-US" dirty="0" smtClean="0"/>
+              <a:rPr lang="en-US" dirty="0"/>
+              <a:t>In O-O terms, most often this arises when one </a:t>
+            </a:r>
+            <a:r>
+              <a:rPr lang="en-US" dirty="0">
+                <a:highlight>
+                  <a:srgbClr val="FFFF00"/>
+                </a:highlight>
+              </a:rPr>
+              <a:t>class has an instance variable that is a reference to an instance of another class</a:t>
+            </a:r>
+          </a:p>
+          <a:p>
+            <a:r>
+              <a:rPr lang="en-US" dirty="0"/>
               <a:t>In a relational database, the relationship will eventually be captured by means of shared attributes (key pairs) but that lies in the future</a:t>
             </a:r>
-            <a:endParaRPr lang="en-US" dirty="0"/>
           </a:p>
         </p:txBody>
       </p:sp>
@@ -4675,10 +4681,9 @@
           <a:lstStyle/>
           <a:p>
             <a:r>
-              <a:rPr lang="en-US" dirty="0" smtClean="0"/>
+              <a:rPr lang="en-US" dirty="0"/>
               <a:t>Chapter 12, Domain Analysis</a:t>
             </a:r>
-            <a:endParaRPr lang="en-US" dirty="0"/>
           </a:p>
         </p:txBody>
       </p:sp>
@@ -4698,22 +4703,21 @@
           <a:lstStyle/>
           <a:p>
             <a:r>
-              <a:rPr lang="en-US" dirty="0" smtClean="0"/>
+              <a:rPr lang="en-US" dirty="0"/>
               <a:t>Chapter 12 is on the topic of domain analysis for object-oriented design</a:t>
             </a:r>
           </a:p>
           <a:p>
             <a:r>
-              <a:rPr lang="en-US" dirty="0" smtClean="0"/>
+              <a:rPr lang="en-US" dirty="0"/>
               <a:t>In brief, this means identifying classes, relationships between classes, and attributes of classes</a:t>
             </a:r>
           </a:p>
           <a:p>
             <a:r>
-              <a:rPr lang="en-US" dirty="0" smtClean="0"/>
+              <a:rPr lang="en-US" dirty="0"/>
               <a:t>The object-oriented approach given is very close to the modeling process for relational databases</a:t>
             </a:r>
-            <a:endParaRPr lang="en-US" dirty="0"/>
           </a:p>
         </p:txBody>
       </p:sp>
@@ -4869,10 +4873,9 @@
           <a:lstStyle/>
           <a:p>
             <a:r>
-              <a:rPr lang="en-US" dirty="0" smtClean="0"/>
+              <a:rPr lang="en-US" dirty="0"/>
               <a:t>12.2.5  Keeping the Right Associations</a:t>
             </a:r>
-            <a:endParaRPr lang="en-US" dirty="0"/>
           </a:p>
         </p:txBody>
       </p:sp>
@@ -4894,13 +4897,13 @@
           <a:lstStyle/>
           <a:p>
             <a:r>
-              <a:rPr lang="en-US" dirty="0" smtClean="0"/>
+              <a:rPr lang="en-US" dirty="0"/>
               <a:t>Just like with classes, the first step at a design might tentatively identify associations that do not belong in the final design</a:t>
             </a:r>
           </a:p>
           <a:p>
             <a:r>
-              <a:rPr lang="en-US" dirty="0" smtClean="0"/>
+              <a:rPr lang="en-US" dirty="0"/>
               <a:t>Again, the book gives a list of the kinds of associations which should be thrown out:</a:t>
             </a:r>
           </a:p>
@@ -4909,20 +4912,36 @@
               <a:buNone/>
             </a:pPr>
             <a:r>
-              <a:rPr lang="en-US" dirty="0" smtClean="0"/>
-              <a:t>1.  Associations between eliminated classes</a:t>
-            </a:r>
-          </a:p>
-          <a:p>
-            <a:r>
-              <a:rPr lang="en-US" dirty="0" smtClean="0"/>
+              <a:rPr lang="en-US" dirty="0"/>
+              <a:t>1.  </a:t>
+            </a:r>
+            <a:r>
+              <a:rPr lang="en-US" dirty="0">
+                <a:highlight>
+                  <a:srgbClr val="FFFF00"/>
+                </a:highlight>
+              </a:rPr>
+              <a:t>Associations between eliminated classes</a:t>
+            </a:r>
+          </a:p>
+          <a:p>
+            <a:r>
+              <a:rPr lang="en-US" dirty="0"/>
               <a:t>I guess it never hurts to state the obvious.</a:t>
             </a:r>
           </a:p>
           <a:p>
             <a:r>
-              <a:rPr lang="en-US" dirty="0" smtClean="0"/>
-              <a:t>ATM example:  There are many instances of this due to the number of eliminated classes</a:t>
+              <a:rPr lang="en-US" dirty="0"/>
+              <a:t>ATM example:  There are many instances of this due to the </a:t>
+            </a:r>
+            <a:r>
+              <a:rPr lang="en-US" dirty="0">
+                <a:highlight>
+                  <a:srgbClr val="FFFF00"/>
+                </a:highlight>
+              </a:rPr>
+              <a:t>number of eliminated classes</a:t>
             </a:r>
           </a:p>
         </p:txBody>
@@ -4998,37 +5017,61 @@
               <a:buNone/>
             </a:pPr>
             <a:r>
-              <a:rPr lang="en-US" dirty="0" smtClean="0"/>
-              <a:t>2.  Irrelevant or implementation associations </a:t>
-            </a:r>
-          </a:p>
-          <a:p>
-            <a:r>
-              <a:rPr lang="en-US" dirty="0" smtClean="0"/>
+              <a:rPr lang="en-US" dirty="0"/>
+              <a:t>2.  </a:t>
+            </a:r>
+            <a:r>
+              <a:rPr lang="en-US" dirty="0">
+                <a:highlight>
+                  <a:srgbClr val="FFFF00"/>
+                </a:highlight>
+              </a:rPr>
+              <a:t>Irrelevant or implementation associations </a:t>
+            </a:r>
+          </a:p>
+          <a:p>
+            <a:r>
+              <a:rPr lang="en-US" dirty="0"/>
               <a:t>Clearly, irrelevant associations don’t belong in a model</a:t>
             </a:r>
           </a:p>
           <a:p>
             <a:r>
-              <a:rPr lang="en-US" dirty="0" smtClean="0"/>
-              <a:t>Likewise, when modeling, implementation concerns don’t belong</a:t>
-            </a:r>
-          </a:p>
-          <a:p>
-            <a:r>
-              <a:rPr lang="en-US" dirty="0" smtClean="0"/>
-              <a:t>ATM example:  System handles concurrent access</a:t>
-            </a:r>
-          </a:p>
-          <a:p>
-            <a:r>
-              <a:rPr lang="en-US" dirty="0" smtClean="0"/>
+              <a:rPr lang="en-US" dirty="0"/>
+              <a:t>Likewise, </a:t>
+            </a:r>
+            <a:r>
+              <a:rPr lang="en-US" dirty="0">
+                <a:highlight>
+                  <a:srgbClr val="FFFF00"/>
+                </a:highlight>
+              </a:rPr>
+              <a:t>when modeling, implementation concerns don’t belong</a:t>
+            </a:r>
+          </a:p>
+          <a:p>
+            <a:r>
+              <a:rPr lang="en-US" dirty="0"/>
+              <a:t>ATM example:  </a:t>
+            </a:r>
+            <a:r>
+              <a:rPr lang="en-US" dirty="0">
+                <a:highlight>
+                  <a:srgbClr val="FFFF00"/>
+                </a:highlight>
+              </a:rPr>
+              <a:t>System handles concurrent access</a:t>
+            </a:r>
+          </a:p>
+          <a:p>
+            <a:r>
+              <a:rPr lang="en-US" dirty="0"/>
               <a:t>With multiple ATM’s, concurrency will occur</a:t>
             </a:r>
           </a:p>
           <a:p>
             <a:r>
-              <a:rPr lang="en-US" dirty="0" smtClean="0"/>
+              <a:rPr lang="en-US" dirty="0"/>
               <a:t>Reality is concurrent—but this is an implementation problem, not a design problem</a:t>
             </a:r>
           </a:p>
@@ -5103,20 +5146,56 @@
               <a:buNone/>
             </a:pPr>
             <a:r>
-              <a:rPr lang="en-US" dirty="0" smtClean="0"/>
+              <a:rPr lang="en-US" dirty="0"/>
               <a:t>3.  Actions </a:t>
             </a:r>
           </a:p>
           <a:p>
             <a:r>
-              <a:rPr lang="en-US" dirty="0" smtClean="0"/>
-              <a:t>Associations should embody structural relationships, not transient processing events</a:t>
-            </a:r>
-          </a:p>
-          <a:p>
-            <a:r>
-              <a:rPr lang="en-US" dirty="0" smtClean="0"/>
-              <a:t>ATM example:  ATM accepts cash card, ATM interacts with user, Central computer clears transaction with bank, and Central computer communicates with bank all describe transient actions, not structural relationships</a:t>
+              <a:rPr lang="en-US" dirty="0"/>
+              <a:t>Associations should embody </a:t>
+            </a:r>
+            <a:r>
+              <a:rPr lang="en-US" dirty="0">
+                <a:highlight>
+                  <a:srgbClr val="FFFF00"/>
+                </a:highlight>
+              </a:rPr>
+              <a:t>structural relationships</a:t>
+            </a:r>
+            <a:r>
+              <a:rPr lang="en-US" dirty="0"/>
+              <a:t>, </a:t>
+            </a:r>
+            <a:r>
+              <a:rPr lang="en-US" dirty="0">
+                <a:highlight>
+                  <a:srgbClr val="FFFF00"/>
+                </a:highlight>
+              </a:rPr>
+              <a:t>not transient processing </a:t>
+            </a:r>
+            <a:r>
+              <a:rPr lang="en-US" dirty="0"/>
+              <a:t>events</a:t>
+            </a:r>
+          </a:p>
+          <a:p>
+            <a:r>
+              <a:rPr lang="en-US" dirty="0"/>
+              <a:t>ATM example:  </a:t>
+            </a:r>
+            <a:r>
+              <a:rPr lang="en-US" dirty="0">
+                <a:highlight>
+                  <a:srgbClr val="FFFF00"/>
+                </a:highlight>
+              </a:rPr>
+              <a:t>ATM accepts cash card</a:t>
+            </a:r>
+            <a:r>
+              <a:rPr lang="en-US" dirty="0"/>
+              <a:t>, ATM interacts with user, Central computer clears transaction with bank, and Central computer communicates with bank all describe transient actions, not structural relationships</a:t>
             </a:r>
           </a:p>
           <a:p>
@@ -5184,7 +5263,12 @@
             <p:ph idx="1"/>
           </p:nvPr>
         </p:nvSpPr>
-        <p:spPr/>
+        <p:spPr>
+          <a:xfrm>
+            <a:off x="381000" y="1295400"/>
+            <a:ext cx="8229600" cy="4525963"/>
+          </a:xfrm>
+        </p:spPr>
         <p:txBody>
           <a:bodyPr>
             <a:normAutofit fontScale="92500" lnSpcReduction="20000"/>
@@ -5195,34 +5279,57 @@
               <a:buNone/>
             </a:pPr>
             <a:r>
-              <a:rPr lang="en-US" dirty="0" smtClean="0"/>
-              <a:t>4.  Ternary associations</a:t>
-            </a:r>
-          </a:p>
-          <a:p>
-            <a:r>
-              <a:rPr lang="en-US" dirty="0" smtClean="0"/>
+              <a:rPr lang="en-US" dirty="0"/>
+              <a:t>4</a:t>
+            </a:r>
+            <a:r>
+              <a:rPr lang="en-US" dirty="0">
+                <a:highlight>
+                  <a:srgbClr val="FFFF00"/>
+                </a:highlight>
+              </a:rPr>
+              <a:t>.  Ternary associations</a:t>
+            </a:r>
+          </a:p>
+          <a:p>
+            <a:r>
+              <a:rPr lang="en-US" dirty="0"/>
               <a:t>This terminology is linked to database concerns</a:t>
             </a:r>
           </a:p>
           <a:p>
             <a:r>
-              <a:rPr lang="en-US" dirty="0" smtClean="0"/>
-              <a:t>It is possible to have a three-way relationship among three different classes.</a:t>
-            </a:r>
-          </a:p>
-          <a:p>
-            <a:r>
-              <a:rPr lang="en-US" dirty="0" smtClean="0"/>
-              <a:t>What they want to eliminate are cases where there are two base classes and the third item in the association description is just an attribute that is connected with the relationship</a:t>
-            </a:r>
-          </a:p>
-          <a:p>
-            <a:r>
-              <a:rPr lang="en-US" dirty="0" smtClean="0"/>
+              <a:rPr lang="en-US" dirty="0"/>
+              <a:t>It is possible to have </a:t>
+            </a:r>
+            <a:r>
+              <a:rPr lang="en-US" dirty="0">
+                <a:highlight>
+                  <a:srgbClr val="FFFF00"/>
+                </a:highlight>
+              </a:rPr>
+              <a:t>a three-way relationship among three different classes.</a:t>
+            </a:r>
+          </a:p>
+          <a:p>
+            <a:r>
+              <a:rPr lang="en-US" dirty="0"/>
+              <a:t>What they want to eliminate are cases where </a:t>
+            </a:r>
+            <a:r>
+              <a:rPr lang="en-US" dirty="0">
+                <a:highlight>
+                  <a:srgbClr val="FFFF00"/>
+                </a:highlight>
+              </a:rPr>
+              <a:t>there are two base classes and the third item in the association description is just an attribute that is connected with the relationship</a:t>
+            </a:r>
+          </a:p>
+          <a:p>
+            <a:r>
+              <a:rPr lang="en-US" dirty="0"/>
               <a:t>This idea will come up again when considering attributes</a:t>
             </a:r>
-            <a:endParaRPr lang="en-US" dirty="0"/>
           </a:p>
         </p:txBody>
       </p:sp>
@@ -5294,22 +5401,37 @@
           <a:lstStyle/>
           <a:p>
             <a:r>
-              <a:rPr lang="en-US" dirty="0" smtClean="0"/>
+              <a:rPr lang="en-US" dirty="0"/>
               <a:t>ATM example:</a:t>
             </a:r>
           </a:p>
           <a:p>
             <a:r>
-              <a:rPr lang="en-US" dirty="0" smtClean="0"/>
-              <a:t>Bank computer processes transaction against account breaks down into Bank computer processes transaction and Transaction concerns account</a:t>
-            </a:r>
-          </a:p>
-          <a:p>
-            <a:r>
-              <a:rPr lang="en-US" dirty="0" smtClean="0"/>
-              <a:t>Cashier enters transaction for account and ATMs communicate with central computer about transaction can also be broken into two binary associations</a:t>
-            </a:r>
-            <a:endParaRPr lang="en-US" dirty="0"/>
+              <a:rPr lang="en-US" dirty="0">
+                <a:highlight>
+                  <a:srgbClr val="FFFF00"/>
+                </a:highlight>
+              </a:rPr>
+              <a:t>Bank computer processes transaction </a:t>
+            </a:r>
+            <a:r>
+              <a:rPr lang="en-US" dirty="0"/>
+              <a:t>against account breaks down into Bank computer processes transaction and Transaction concerns account</a:t>
+            </a:r>
+          </a:p>
+          <a:p>
+            <a:r>
+              <a:rPr lang="en-US" dirty="0">
+                <a:highlight>
+                  <a:srgbClr val="FFFF00"/>
+                </a:highlight>
+              </a:rPr>
+              <a:t>Cashier enters transaction for account and ATMs communicate with central computer about transaction</a:t>
+            </a:r>
+            <a:r>
+              <a:rPr lang="en-US" dirty="0"/>
+              <a:t> can also be broken into two binary associations</a:t>
+            </a:r>
           </a:p>
         </p:txBody>
       </p:sp>
@@ -5384,28 +5506,91 @@
               <a:buNone/>
             </a:pPr>
             <a:r>
-              <a:rPr lang="en-US" dirty="0" smtClean="0"/>
-              <a:t>5.  Derived associations </a:t>
-            </a:r>
-          </a:p>
-          <a:p>
-            <a:r>
-              <a:rPr lang="en-US" dirty="0" smtClean="0"/>
-              <a:t>This is largely a warning against redundancy in the design.  </a:t>
-            </a:r>
-          </a:p>
-          <a:p>
-            <a:r>
-              <a:rPr lang="en-US" dirty="0" smtClean="0"/>
-              <a:t>If there is a relationship between classes and this ‘implies’ another relationship—possibly with a different name, but not differing in how things are related, then there is no need to capture the second relationship in the design.  </a:t>
-            </a:r>
-          </a:p>
-          <a:p>
-            <a:r>
-              <a:rPr lang="en-US" dirty="0" smtClean="0"/>
-              <a:t>The first relationship captures it all.</a:t>
-            </a:r>
-            <a:endParaRPr lang="en-US" dirty="0"/>
+              <a:rPr lang="en-US" dirty="0"/>
+              <a:t>5.  </a:t>
+            </a:r>
+            <a:r>
+              <a:rPr lang="en-US" dirty="0">
+                <a:highlight>
+                  <a:srgbClr val="FFFF00"/>
+                </a:highlight>
+              </a:rPr>
+              <a:t>Derived associations </a:t>
+            </a:r>
+          </a:p>
+          <a:p>
+            <a:r>
+              <a:rPr lang="en-US" dirty="0"/>
+              <a:t>This is largely a </a:t>
+            </a:r>
+            <a:r>
+              <a:rPr lang="en-US" dirty="0">
+                <a:highlight>
+                  <a:srgbClr val="FFFF00"/>
+                </a:highlight>
+              </a:rPr>
+              <a:t>warning against redundancy in the design</a:t>
+            </a:r>
+            <a:r>
+              <a:rPr lang="en-US" dirty="0"/>
+              <a:t>.  </a:t>
+            </a:r>
+          </a:p>
+          <a:p>
+            <a:r>
+              <a:rPr lang="en-US" dirty="0"/>
+              <a:t>If there is a </a:t>
+            </a:r>
+            <a:r>
+              <a:rPr lang="en-US" dirty="0">
+                <a:highlight>
+                  <a:srgbClr val="FFFF00"/>
+                </a:highlight>
+              </a:rPr>
+              <a:t>relationship between classes </a:t>
+            </a:r>
+            <a:r>
+              <a:rPr lang="en-US" dirty="0"/>
+              <a:t>and this ‘i</a:t>
+            </a:r>
+            <a:r>
+              <a:rPr lang="en-US" dirty="0">
+                <a:highlight>
+                  <a:srgbClr val="FFFF00"/>
+                </a:highlight>
+              </a:rPr>
+              <a:t>mplies</a:t>
+            </a:r>
+            <a:r>
+              <a:rPr lang="en-US" dirty="0"/>
+              <a:t>’ </a:t>
+            </a:r>
+            <a:r>
+              <a:rPr lang="en-US" dirty="0">
+                <a:highlight>
+                  <a:srgbClr val="FFFF00"/>
+                </a:highlight>
+              </a:rPr>
+              <a:t>another relationship</a:t>
+            </a:r>
+            <a:r>
+              <a:rPr lang="en-US" dirty="0"/>
+              <a:t>—possibly with a different name, but not differing in how things are related, then there is no need to capture the second relationship in the design.  </a:t>
+            </a:r>
+          </a:p>
+          <a:p>
+            <a:r>
+              <a:rPr lang="en-US" dirty="0">
+                <a:highlight>
+                  <a:srgbClr val="FFFF00"/>
+                </a:highlight>
+              </a:rPr>
+              <a:t>The first relationship captures it all</a:t>
+            </a:r>
+            <a:r>
+              <a:rPr lang="en-US" dirty="0"/>
+              <a:t>.</a:t>
+            </a:r>
           </a:p>
         </p:txBody>
       </p:sp>
@@ -5561,42 +5746,57 @@
           <a:lstStyle/>
           <a:p>
             <a:r>
-              <a:rPr lang="en-US" dirty="0" smtClean="0"/>
-              <a:t>A company owns a set of computers</a:t>
-            </a:r>
-          </a:p>
-          <a:p>
-            <a:r>
-              <a:rPr lang="en-US" dirty="0" smtClean="0"/>
-              <a:t>It also employs a set of employees</a:t>
-            </a:r>
-          </a:p>
-          <a:p>
-            <a:r>
-              <a:rPr lang="en-US" dirty="0" smtClean="0"/>
+              <a:rPr lang="en-US" dirty="0"/>
+              <a:t>A </a:t>
+            </a:r>
+            <a:r>
+              <a:rPr lang="en-US" dirty="0">
+                <a:highlight>
+                  <a:srgbClr val="FFFF00"/>
+                </a:highlight>
+              </a:rPr>
+              <a:t>company owns a set of computers</a:t>
+            </a:r>
+          </a:p>
+          <a:p>
+            <a:r>
+              <a:rPr lang="en-US" dirty="0"/>
+              <a:t>It also </a:t>
+            </a:r>
+            <a:r>
+              <a:rPr lang="en-US" dirty="0">
+                <a:highlight>
+                  <a:srgbClr val="FFFF00"/>
+                </a:highlight>
+              </a:rPr>
+              <a:t>employs a set of employees</a:t>
+            </a:r>
+          </a:p>
+          <a:p>
+            <a:r>
+              <a:rPr lang="en-US" dirty="0"/>
               <a:t>Employees are assigned to computers (or vice-versa)</a:t>
             </a:r>
           </a:p>
           <a:p>
             <a:r>
-              <a:rPr lang="en-US" dirty="0" smtClean="0"/>
+              <a:rPr lang="en-US" dirty="0"/>
               <a:t>The point is that </a:t>
             </a:r>
             <a:r>
-              <a:rPr lang="en-US" dirty="0" err="1" smtClean="0"/>
+              <a:rPr lang="en-US" dirty="0" err="1"/>
               <a:t>AssignedTo</a:t>
             </a:r>
             <a:r>
-              <a:rPr lang="en-US" dirty="0" smtClean="0"/>
+              <a:rPr lang="en-US" dirty="0"/>
               <a:t> is not a derived relationship</a:t>
             </a:r>
           </a:p>
           <a:p>
             <a:r>
-              <a:rPr lang="en-US" dirty="0" smtClean="0"/>
+              <a:rPr lang="en-US" dirty="0"/>
               <a:t>Which computer an employee is assigned to cannot be derived from the fact that an employee works for a given company</a:t>
             </a:r>
-            <a:endParaRPr lang="en-US" dirty="0"/>
           </a:p>
         </p:txBody>
       </p:sp>
@@ -5671,40 +5871,119 @@
               <a:buNone/>
             </a:pPr>
             <a:r>
-              <a:rPr lang="en-US" dirty="0" smtClean="0"/>
+              <a:rPr lang="en-US" dirty="0"/>
               <a:t>1.  Misnamed associations </a:t>
             </a:r>
           </a:p>
           <a:p>
             <a:r>
-              <a:rPr lang="en-US" dirty="0" smtClean="0"/>
-              <a:t>You eliminate them if they are redundant.  </a:t>
-            </a:r>
-          </a:p>
-          <a:p>
-            <a:r>
-              <a:rPr lang="en-US" dirty="0" smtClean="0"/>
-              <a:t>You rename them if they’re valid and not redundant.  </a:t>
-            </a:r>
-          </a:p>
-          <a:p>
-            <a:r>
-              <a:rPr lang="en-US" dirty="0" smtClean="0"/>
-              <a:t>Names should state what a relationship is, not be based on how it came about or some other extraneous description.</a:t>
-            </a:r>
-          </a:p>
-          <a:p>
-            <a:r>
-              <a:rPr lang="en-US" dirty="0" smtClean="0"/>
+              <a:rPr lang="en-US" dirty="0"/>
+              <a:t>You eliminate them </a:t>
+            </a:r>
+            <a:r>
+              <a:rPr lang="en-US" dirty="0">
+                <a:highlight>
+                  <a:srgbClr val="FFFF00"/>
+                </a:highlight>
+              </a:rPr>
+              <a:t>if they are redundant</a:t>
+            </a:r>
+            <a:r>
+              <a:rPr lang="en-US" dirty="0"/>
+              <a:t>.  </a:t>
+            </a:r>
+          </a:p>
+          <a:p>
+            <a:r>
+              <a:rPr lang="en-US" dirty="0"/>
+              <a:t>You </a:t>
+            </a:r>
+            <a:r>
+              <a:rPr lang="en-US" dirty="0">
+                <a:highlight>
+                  <a:srgbClr val="FFFF00"/>
+                </a:highlight>
+              </a:rPr>
+              <a:t>rename</a:t>
+            </a:r>
+            <a:r>
+              <a:rPr lang="en-US" dirty="0"/>
+              <a:t> them if </a:t>
+            </a:r>
+            <a:r>
+              <a:rPr lang="en-US" dirty="0">
+                <a:highlight>
+                  <a:srgbClr val="FFFF00"/>
+                </a:highlight>
+              </a:rPr>
+              <a:t>they’re valid </a:t>
+            </a:r>
+            <a:r>
+              <a:rPr lang="en-US" dirty="0"/>
+              <a:t>and not redundant.  </a:t>
+            </a:r>
+          </a:p>
+          <a:p>
+            <a:r>
+              <a:rPr lang="en-US" dirty="0">
+                <a:highlight>
+                  <a:srgbClr val="FFFF00"/>
+                </a:highlight>
+              </a:rPr>
+              <a:t>Names should state what a relationship </a:t>
+            </a:r>
+            <a:r>
+              <a:rPr lang="en-US" dirty="0"/>
+              <a:t>is, </a:t>
+            </a:r>
+            <a:r>
+              <a:rPr lang="en-US" dirty="0">
+                <a:highlight>
+                  <a:srgbClr val="FFFF00"/>
+                </a:highlight>
+              </a:rPr>
+              <a:t>not</a:t>
+            </a:r>
+            <a:r>
+              <a:rPr lang="en-US" dirty="0"/>
+              <a:t> be based on </a:t>
+            </a:r>
+            <a:r>
+              <a:rPr lang="en-US" dirty="0">
+                <a:highlight>
+                  <a:srgbClr val="FFFF00"/>
+                </a:highlight>
+              </a:rPr>
+              <a:t>how it came</a:t>
+            </a:r>
+            <a:r>
+              <a:rPr lang="en-US" dirty="0"/>
+              <a:t> about or some other extraneous </a:t>
+            </a:r>
+            <a:r>
+              <a:rPr lang="en-US" dirty="0">
+                <a:highlight>
+                  <a:srgbClr val="FFFF00"/>
+                </a:highlight>
+              </a:rPr>
+              <a:t>description</a:t>
+            </a:r>
+            <a:r>
+              <a:rPr lang="en-US" dirty="0"/>
+              <a:t>.</a:t>
+            </a:r>
+          </a:p>
+          <a:p>
+            <a:r>
+              <a:rPr lang="en-US" dirty="0"/>
               <a:t>ATM example:  Bank computer maintains accounts describes an action</a:t>
             </a:r>
           </a:p>
           <a:p>
             <a:r>
-              <a:rPr lang="en-US" dirty="0" smtClean="0"/>
+              <a:rPr lang="en-US" dirty="0"/>
               <a:t>Rename this Bank holds accounts</a:t>
             </a:r>
-            <a:endParaRPr lang="en-US" dirty="0"/>
           </a:p>
         </p:txBody>
       </p:sp>
@@ -5774,10 +6053,9 @@
           <a:lstStyle/>
           <a:p>
             <a:r>
-              <a:rPr lang="en-US" dirty="0" smtClean="0"/>
+              <a:rPr lang="en-US" dirty="0"/>
               <a:t>12.1  Overview of Analysis</a:t>
             </a:r>
-            <a:endParaRPr lang="en-US" dirty="0"/>
           </a:p>
         </p:txBody>
       </p:sp>
@@ -5799,28 +6077,27 @@
           <a:lstStyle/>
           <a:p>
             <a:r>
-              <a:rPr lang="en-US" dirty="0" smtClean="0"/>
+              <a:rPr lang="en-US" dirty="0"/>
               <a:t>Analysis starts with some sort of vague statement of the problem to be solved</a:t>
             </a:r>
           </a:p>
           <a:p>
             <a:r>
-              <a:rPr lang="en-US" dirty="0" smtClean="0"/>
+              <a:rPr lang="en-US" dirty="0"/>
               <a:t>It involves taking a look at existing systems and talking to users of an old system or people who are requesting a new system (possibly the same people)</a:t>
             </a:r>
           </a:p>
           <a:p>
             <a:r>
-              <a:rPr lang="en-US" dirty="0" smtClean="0"/>
+              <a:rPr lang="en-US" dirty="0"/>
               <a:t>The goal is to arrive at an unambiguous specification for the new system</a:t>
             </a:r>
           </a:p>
           <a:p>
             <a:r>
-              <a:rPr lang="en-US" dirty="0" smtClean="0"/>
+              <a:rPr lang="en-US" dirty="0"/>
               <a:t>The diagram on the following overhead is supposed to summarize these ideas</a:t>
             </a:r>
-            <a:endParaRPr lang="en-US" dirty="0"/>
           </a:p>
         </p:txBody>
       </p:sp>
@@ -5895,14 +6172,22 @@
               <a:buNone/>
             </a:pPr>
             <a:r>
-              <a:rPr lang="en-US" dirty="0" smtClean="0"/>
+              <a:rPr lang="en-US" dirty="0"/>
               <a:t>2.  Association end names </a:t>
             </a:r>
           </a:p>
           <a:p>
             <a:r>
-              <a:rPr lang="en-US" dirty="0" smtClean="0"/>
-              <a:t>Like in an E-R model, remember to label any ambiguous links</a:t>
+              <a:rPr lang="en-US" dirty="0"/>
+              <a:t>Like in an E-R model, </a:t>
+            </a:r>
+            <a:r>
+              <a:rPr lang="en-US" dirty="0">
+                <a:highlight>
+                  <a:srgbClr val="FFFF00"/>
+                </a:highlight>
+              </a:rPr>
+              <a:t>remember to label any ambiguous links</a:t>
             </a:r>
           </a:p>
         </p:txBody>
@@ -5978,39 +6263,63 @@
               <a:buNone/>
             </a:pPr>
             <a:r>
-              <a:rPr lang="en-US" dirty="0" smtClean="0"/>
+              <a:rPr lang="en-US" dirty="0"/>
               <a:t>3.  Qualified associations </a:t>
             </a:r>
           </a:p>
           <a:p>
             <a:r>
-              <a:rPr lang="en-US" dirty="0" smtClean="0"/>
+              <a:rPr lang="en-US" dirty="0"/>
               <a:t>This is a new aspect of UML notation</a:t>
             </a:r>
           </a:p>
           <a:p>
             <a:r>
-              <a:rPr lang="en-US" u="sng" dirty="0" smtClean="0"/>
+              <a:rPr lang="en-US" u="sng" dirty="0">
+                <a:highlight>
+                  <a:srgbClr val="FFFF00"/>
+                </a:highlight>
+              </a:rPr>
               <a:t>A qualifier distinguishes objects on the many side of an association</a:t>
             </a:r>
           </a:p>
           <a:p>
             <a:r>
-              <a:rPr lang="en-US" dirty="0" smtClean="0"/>
-              <a:t>ATM example:  The qualifier </a:t>
-            </a:r>
-            <a:r>
-              <a:rPr lang="en-US" dirty="0" err="1" smtClean="0"/>
+              <a:rPr lang="en-US" dirty="0"/>
+              <a:t>ATM example:  The </a:t>
+            </a:r>
+            <a:r>
+              <a:rPr lang="en-US" dirty="0">
+                <a:highlight>
+                  <a:srgbClr val="FFFF00"/>
+                </a:highlight>
+              </a:rPr>
+              <a:t>qualifier </a:t>
+            </a:r>
+            <a:r>
+              <a:rPr lang="en-US" dirty="0" err="1">
+                <a:highlight>
+                  <a:srgbClr val="FFFF00"/>
+                </a:highlight>
+              </a:rPr>
               <a:t>bankCode</a:t>
             </a:r>
             <a:r>
-              <a:rPr lang="en-US" dirty="0" smtClean="0"/>
-              <a:t> distinguishes the different banks in a consortium</a:t>
-            </a:r>
-          </a:p>
-          <a:p>
-            <a:r>
-              <a:rPr lang="en-US" dirty="0" smtClean="0"/>
+              <a:rPr lang="en-US" dirty="0">
+                <a:highlight>
+                  <a:srgbClr val="FFFF00"/>
+                </a:highlight>
+              </a:rPr>
+              <a:t> </a:t>
+            </a:r>
+            <a:r>
+              <a:rPr lang="en-US" dirty="0"/>
+              <a:t>distinguishes the different banks in a consortium</a:t>
+            </a:r>
+          </a:p>
+          <a:p>
+            <a:r>
+              <a:rPr lang="en-US" dirty="0"/>
               <a:t>This will be further explained just before the next UML diagram is shown</a:t>
             </a:r>
           </a:p>
@@ -6090,14 +6399,34 @@
               <a:buNone/>
             </a:pPr>
             <a:r>
-              <a:rPr lang="en-US" dirty="0" smtClean="0"/>
-              <a:t>4.  Multiplicity </a:t>
-            </a:r>
-          </a:p>
-          <a:p>
-            <a:r>
-              <a:rPr lang="en-US" dirty="0" smtClean="0"/>
-              <a:t>When doing a first design, you can try to figure out the cardinalities of the ends of links, but you can always straighten out the details later.</a:t>
+              <a:rPr lang="en-US" dirty="0"/>
+              <a:t>4.  </a:t>
+            </a:r>
+            <a:r>
+              <a:rPr lang="en-US" dirty="0">
+                <a:highlight>
+                  <a:srgbClr val="FFFF00"/>
+                </a:highlight>
+              </a:rPr>
+              <a:t>Multiplicity </a:t>
+            </a:r>
+          </a:p>
+          <a:p>
+            <a:r>
+              <a:rPr lang="en-US" dirty="0"/>
+              <a:t>When doing a first design, you can try to figure out the </a:t>
+            </a:r>
+            <a:r>
+              <a:rPr lang="en-US" dirty="0">
+                <a:highlight>
+                  <a:srgbClr val="FFFF00"/>
+                </a:highlight>
+              </a:rPr>
+              <a:t>cardinalities</a:t>
+            </a:r>
+            <a:r>
+              <a:rPr lang="en-US" dirty="0"/>
+              <a:t> of the ends of links, but you can always straighten out the details later.</a:t>
             </a:r>
           </a:p>
         </p:txBody>
@@ -6173,28 +6502,47 @@
               <a:buNone/>
             </a:pPr>
             <a:r>
-              <a:rPr lang="en-US" dirty="0" smtClean="0"/>
+              <a:rPr lang="en-US" dirty="0"/>
               <a:t>5.  Missing associations </a:t>
             </a:r>
           </a:p>
           <a:p>
             <a:r>
-              <a:rPr lang="en-US" dirty="0" smtClean="0"/>
-              <a:t>Again, stating the obvious never hurts.  </a:t>
-            </a:r>
-          </a:p>
-          <a:p>
-            <a:r>
-              <a:rPr lang="en-US" dirty="0" smtClean="0"/>
-              <a:t>If you forgot something, add it to the design.</a:t>
-            </a:r>
-          </a:p>
-          <a:p>
-            <a:r>
-              <a:rPr lang="en-US" dirty="0" smtClean="0"/>
+              <a:rPr lang="en-US" dirty="0"/>
+              <a:t>Again, </a:t>
+            </a:r>
+            <a:r>
+              <a:rPr lang="en-US" dirty="0">
+                <a:highlight>
+                  <a:srgbClr val="FFFF00"/>
+                </a:highlight>
+              </a:rPr>
+              <a:t>stating the obvious never hurts.  </a:t>
+            </a:r>
+          </a:p>
+          <a:p>
+            <a:r>
+              <a:rPr lang="en-US" dirty="0"/>
+              <a:t>If you </a:t>
+            </a:r>
+            <a:r>
+              <a:rPr lang="en-US" dirty="0">
+                <a:highlight>
+                  <a:srgbClr val="FFFF00"/>
+                </a:highlight>
+              </a:rPr>
+              <a:t>forgot something</a:t>
+            </a:r>
+            <a:r>
+              <a:rPr lang="en-US" dirty="0"/>
+              <a:t>, add it to the design.</a:t>
+            </a:r>
+          </a:p>
+          <a:p>
+            <a:r>
+              <a:rPr lang="en-US" dirty="0"/>
               <a:t>ATM example:  The book suggests that all of these associations were forgotten in the foregoing list:  Transaction entered on cashier station, Customers have accounts, Transaction authorized by cash card, and possibly Cashier authorized on cashier station</a:t>
             </a:r>
-            <a:endParaRPr lang="en-US" dirty="0"/>
           </a:p>
         </p:txBody>
       </p:sp>
@@ -6348,10 +6696,9 @@
           <a:lstStyle/>
           <a:p>
             <a:r>
-              <a:rPr lang="en-US" dirty="0" smtClean="0"/>
+              <a:rPr lang="en-US" dirty="0"/>
               <a:t>12.2.6  Finding Attributes</a:t>
             </a:r>
-            <a:endParaRPr lang="en-US" dirty="0"/>
           </a:p>
         </p:txBody>
       </p:sp>
@@ -6373,34 +6720,53 @@
           <a:lstStyle/>
           <a:p>
             <a:r>
-              <a:rPr lang="en-US" dirty="0" smtClean="0"/>
-              <a:t>The book suggests that attributes can be identified as nouns X, which appear in descriptions like these:</a:t>
-            </a:r>
-          </a:p>
-          <a:p>
-            <a:r>
-              <a:rPr lang="en-US" dirty="0" smtClean="0"/>
+              <a:rPr lang="en-US" dirty="0"/>
+              <a:t>The book suggests that </a:t>
+            </a:r>
+            <a:r>
+              <a:rPr lang="en-US" dirty="0">
+                <a:highlight>
+                  <a:srgbClr val="FFFF00"/>
+                </a:highlight>
+              </a:rPr>
+              <a:t>attributes can be identified as nouns X</a:t>
+            </a:r>
+            <a:r>
+              <a:rPr lang="en-US" dirty="0"/>
+              <a:t>, which appear in descriptions like these:</a:t>
+            </a:r>
+          </a:p>
+          <a:p>
+            <a:r>
+              <a:rPr lang="en-US" dirty="0"/>
               <a:t>The X of Y</a:t>
             </a:r>
           </a:p>
           <a:p>
             <a:r>
-              <a:rPr lang="en-US" dirty="0" smtClean="0"/>
+              <a:rPr lang="en-US" dirty="0"/>
               <a:t>Y’s X</a:t>
             </a:r>
           </a:p>
           <a:p>
             <a:r>
-              <a:rPr lang="en-US" dirty="0" smtClean="0"/>
+              <a:rPr lang="en-US" dirty="0"/>
               <a:t>Just like with relational modeling, meaningful names are useful</a:t>
             </a:r>
           </a:p>
           <a:p>
             <a:r>
-              <a:rPr lang="en-US" dirty="0" smtClean="0"/>
-              <a:t>Also, any attribute that can be calculated from other attributes is not a base attribute</a:t>
-            </a:r>
-            <a:endParaRPr lang="en-US" dirty="0"/>
+              <a:rPr lang="en-US" dirty="0"/>
+              <a:t>Also, </a:t>
+            </a:r>
+            <a:r>
+              <a:rPr lang="en-US" dirty="0">
+                <a:highlight>
+                  <a:srgbClr val="FFFF00"/>
+                </a:highlight>
+              </a:rPr>
+              <a:t>any attribute that can be calculated from other attributes is not a base attribute</a:t>
+            </a:r>
           </a:p>
         </p:txBody>
       </p:sp>
@@ -6472,10 +6838,9 @@
           <a:lstStyle/>
           <a:p>
             <a:r>
-              <a:rPr lang="en-US" dirty="0" smtClean="0"/>
+              <a:rPr lang="en-US" dirty="0"/>
               <a:t>12.2.7  Keeping the Right Attributes</a:t>
             </a:r>
-            <a:endParaRPr lang="en-US" dirty="0"/>
           </a:p>
         </p:txBody>
       </p:sp>
@@ -6497,34 +6862,33 @@
           <a:lstStyle/>
           <a:p>
             <a:r>
-              <a:rPr lang="en-US" dirty="0" smtClean="0"/>
+              <a:rPr lang="en-US" dirty="0"/>
               <a:t>Just like with classes and associations, the first step at a design might tentatively identify attributes that do not belong in the final design</a:t>
             </a:r>
           </a:p>
           <a:p>
             <a:r>
-              <a:rPr lang="en-US" dirty="0" smtClean="0"/>
+              <a:rPr lang="en-US" dirty="0"/>
               <a:t>Again, the book gives a list of the kinds of attributes which should be thrown out:</a:t>
             </a:r>
           </a:p>
           <a:p>
             <a:r>
-              <a:rPr lang="en-US" dirty="0" smtClean="0"/>
+              <a:rPr lang="en-US" dirty="0"/>
               <a:t>1.  Objects </a:t>
             </a:r>
           </a:p>
           <a:p>
             <a:r>
-              <a:rPr lang="en-US" dirty="0" smtClean="0"/>
+              <a:rPr lang="en-US" dirty="0"/>
               <a:t>If something is an object it’s not a simple attribute</a:t>
             </a:r>
           </a:p>
           <a:p>
             <a:r>
-              <a:rPr lang="en-US" dirty="0" smtClean="0"/>
+              <a:rPr lang="en-US" dirty="0"/>
               <a:t>However, note that instance variables can be object references</a:t>
             </a:r>
-            <a:endParaRPr lang="en-US" dirty="0"/>
           </a:p>
         </p:txBody>
       </p:sp>
@@ -6615,47 +6979,47 @@
           <a:lstStyle/>
           <a:p>
             <a:r>
-              <a:rPr lang="en-US" dirty="0" smtClean="0"/>
+              <a:rPr lang="en-US" dirty="0"/>
               <a:t>2.  Qualifiers</a:t>
             </a:r>
           </a:p>
           <a:p>
             <a:r>
-              <a:rPr lang="en-US" dirty="0" smtClean="0"/>
+              <a:rPr lang="en-US" dirty="0"/>
               <a:t>This item illustrates an important difference between O-O modeling and relational modeling</a:t>
             </a:r>
           </a:p>
           <a:p>
             <a:r>
-              <a:rPr lang="en-US" dirty="0" smtClean="0"/>
+              <a:rPr lang="en-US" dirty="0"/>
               <a:t>What does the book mean by qualifier?</a:t>
             </a:r>
           </a:p>
           <a:p>
             <a:r>
-              <a:rPr lang="en-US" dirty="0" smtClean="0"/>
+              <a:rPr lang="en-US" dirty="0"/>
               <a:t>It gives an example:</a:t>
             </a:r>
           </a:p>
           <a:p>
             <a:r>
-              <a:rPr lang="en-US" dirty="0" smtClean="0"/>
+              <a:rPr lang="en-US" dirty="0"/>
               <a:t>Suppose you have a design with both Company and Person classes</a:t>
             </a:r>
           </a:p>
           <a:p>
             <a:r>
-              <a:rPr lang="en-US" dirty="0" smtClean="0"/>
+              <a:rPr lang="en-US" dirty="0"/>
               <a:t>Suppose you also identify an attribute with a qualified name like </a:t>
             </a:r>
             <a:r>
-              <a:rPr lang="en-US" dirty="0" err="1" smtClean="0"/>
+              <a:rPr lang="en-US" dirty="0" err="1"/>
               <a:t>employeeNumber</a:t>
             </a:r>
-            <a:endParaRPr lang="en-US" dirty="0" smtClean="0"/>
-          </a:p>
-          <a:p>
-            <a:endParaRPr lang="en-US" dirty="0" smtClean="0"/>
+            <a:endParaRPr lang="en-US" dirty="0"/>
+          </a:p>
+          <a:p>
+            <a:endParaRPr lang="en-US" dirty="0"/>
           </a:p>
           <a:p>
             <a:endParaRPr lang="en-US" dirty="0"/>
@@ -6749,33 +7113,33 @@
           <a:lstStyle/>
           <a:p>
             <a:r>
-              <a:rPr lang="en-US" dirty="0" smtClean="0"/>
+              <a:rPr lang="en-US" dirty="0"/>
               <a:t>3.  Name</a:t>
             </a:r>
           </a:p>
           <a:p>
             <a:r>
-              <a:rPr lang="en-US" dirty="0" smtClean="0"/>
+              <a:rPr lang="en-US" dirty="0"/>
               <a:t>This is also kind of obscure, but tied to relational modeling concerns</a:t>
             </a:r>
           </a:p>
           <a:p>
             <a:r>
-              <a:rPr lang="en-US" dirty="0" smtClean="0"/>
+              <a:rPr lang="en-US" dirty="0"/>
               <a:t>If a name attribute has to be unique, then the book suggests that in an O-O model it is likely not an attribute</a:t>
             </a:r>
           </a:p>
           <a:p>
             <a:r>
-              <a:rPr lang="en-US" dirty="0" smtClean="0"/>
+              <a:rPr lang="en-US" dirty="0"/>
               <a:t>It is serving the moral purpose of a </a:t>
             </a:r>
             <a:r>
-              <a:rPr lang="en-US" dirty="0" err="1" smtClean="0"/>
+              <a:rPr lang="en-US" dirty="0" err="1"/>
               <a:t>pk</a:t>
             </a:r>
             <a:r>
-              <a:rPr lang="en-US" dirty="0" smtClean="0"/>
+              <a:rPr lang="en-US" dirty="0"/>
               <a:t> and its implementation is likely to end up being as part of a reference</a:t>
             </a:r>
           </a:p>
@@ -6868,34 +7232,33 @@
           <a:lstStyle/>
           <a:p>
             <a:r>
-              <a:rPr lang="en-US" dirty="0" smtClean="0"/>
+              <a:rPr lang="en-US" dirty="0"/>
               <a:t>4.  Identifier</a:t>
             </a:r>
           </a:p>
           <a:p>
             <a:r>
-              <a:rPr lang="en-US" dirty="0" smtClean="0"/>
+              <a:rPr lang="en-US" dirty="0"/>
               <a:t>This is also at least in part related to relational design ideas</a:t>
             </a:r>
           </a:p>
           <a:p>
             <a:r>
-              <a:rPr lang="en-US" dirty="0" smtClean="0"/>
+              <a:rPr lang="en-US" dirty="0"/>
               <a:t>An identifier in an O-O setting might be a hash code for example</a:t>
             </a:r>
           </a:p>
           <a:p>
             <a:r>
-              <a:rPr lang="en-US" dirty="0" smtClean="0"/>
+              <a:rPr lang="en-US" dirty="0"/>
               <a:t>This is along the lines of a hidden record identifier in a table</a:t>
             </a:r>
           </a:p>
           <a:p>
             <a:r>
-              <a:rPr lang="en-US" dirty="0" smtClean="0"/>
+              <a:rPr lang="en-US" dirty="0"/>
               <a:t>This implementation level unique identifier does not belong to the set of domain level attributes of an object in an O-O design</a:t>
             </a:r>
-            <a:endParaRPr lang="en-US" dirty="0"/>
           </a:p>
         </p:txBody>
       </p:sp>
@@ -7070,29 +7433,29 @@
           <a:lstStyle/>
           <a:p>
             <a:r>
-              <a:rPr lang="en-US" dirty="0" smtClean="0"/>
+              <a:rPr lang="en-US" dirty="0"/>
               <a:t>5.  Attributes on associations</a:t>
             </a:r>
           </a:p>
           <a:p>
             <a:r>
-              <a:rPr lang="en-US" dirty="0" smtClean="0"/>
+              <a:rPr lang="en-US" dirty="0"/>
               <a:t>This is another interesting point that will resonate with relational questions</a:t>
             </a:r>
           </a:p>
           <a:p>
             <a:r>
-              <a:rPr lang="en-US" dirty="0" smtClean="0"/>
+              <a:rPr lang="en-US" dirty="0"/>
               <a:t>The book gives an example:</a:t>
             </a:r>
           </a:p>
           <a:p>
             <a:r>
-              <a:rPr lang="en-US" dirty="0" err="1" smtClean="0"/>
+              <a:rPr lang="en-US" dirty="0" err="1"/>
               <a:t>membershipDate</a:t>
             </a:r>
             <a:r>
-              <a:rPr lang="en-US" dirty="0" smtClean="0"/>
+              <a:rPr lang="en-US" dirty="0"/>
               <a:t> as an attribute on a many-to-many relationship</a:t>
             </a:r>
           </a:p>
@@ -7185,40 +7548,39 @@
           <a:lstStyle/>
           <a:p>
             <a:r>
-              <a:rPr lang="en-US" dirty="0" smtClean="0"/>
+              <a:rPr lang="en-US" dirty="0"/>
               <a:t>6.  Internal values</a:t>
             </a:r>
           </a:p>
           <a:p>
             <a:r>
-              <a:rPr lang="en-US" dirty="0" smtClean="0"/>
+              <a:rPr lang="en-US" dirty="0"/>
               <a:t>If the attribute is not visible outside of the class, then it’s not necessary to include it in the modeling.</a:t>
             </a:r>
           </a:p>
           <a:p>
             <a:r>
-              <a:rPr lang="en-US" dirty="0" smtClean="0"/>
+              <a:rPr lang="en-US" dirty="0"/>
               <a:t>It’s an implementation issue</a:t>
             </a:r>
           </a:p>
           <a:p>
             <a:r>
-              <a:rPr lang="en-US" dirty="0" smtClean="0"/>
+              <a:rPr lang="en-US" dirty="0"/>
               <a:t>7.  Fine detail</a:t>
             </a:r>
           </a:p>
           <a:p>
             <a:r>
-              <a:rPr lang="en-US" dirty="0" smtClean="0"/>
+              <a:rPr lang="en-US" dirty="0"/>
               <a:t>Fine detail can be ignored when modeling.</a:t>
             </a:r>
           </a:p>
           <a:p>
             <a:r>
-              <a:rPr lang="en-US" dirty="0" smtClean="0"/>
+              <a:rPr lang="en-US" dirty="0"/>
               <a:t>If necessary more detail can be included in a future iteration of the model</a:t>
             </a:r>
-            <a:endParaRPr lang="en-US" dirty="0"/>
           </a:p>
         </p:txBody>
       </p:sp>
@@ -7307,36 +7669,35 @@
           <a:lstStyle/>
           <a:p>
             <a:r>
-              <a:rPr lang="en-US" dirty="0" smtClean="0"/>
+              <a:rPr lang="en-US" dirty="0"/>
               <a:t>8.  Boolean attributes</a:t>
             </a:r>
           </a:p>
           <a:p>
             <a:r>
-              <a:rPr lang="en-US" dirty="0" smtClean="0"/>
+              <a:rPr lang="en-US" dirty="0"/>
               <a:t>The book suggests that quite often more than two values become evident and a </a:t>
             </a:r>
             <a:r>
-              <a:rPr lang="en-US" dirty="0" err="1" smtClean="0"/>
+              <a:rPr lang="en-US" dirty="0" err="1"/>
               <a:t>boolean</a:t>
             </a:r>
             <a:r>
-              <a:rPr lang="en-US" dirty="0" smtClean="0"/>
+              <a:rPr lang="en-US" dirty="0"/>
               <a:t> can be modeled as an enumeration (a set)</a:t>
             </a:r>
           </a:p>
           <a:p>
             <a:r>
-              <a:rPr lang="en-US" dirty="0" smtClean="0"/>
+              <a:rPr lang="en-US" dirty="0"/>
               <a:t>Note also that in the end this is really an implementation issue</a:t>
             </a:r>
           </a:p>
           <a:p>
             <a:r>
-              <a:rPr lang="en-US" dirty="0" smtClean="0"/>
+              <a:rPr lang="en-US" dirty="0"/>
               <a:t>You don’t initially concern yourself with the types of attributes</a:t>
             </a:r>
-            <a:endParaRPr lang="en-US" dirty="0"/>
           </a:p>
         </p:txBody>
       </p:sp>
@@ -7511,77 +7872,76 @@
           <a:lstStyle/>
           <a:p>
             <a:r>
-              <a:rPr lang="en-US" dirty="0" smtClean="0"/>
+              <a:rPr lang="en-US" dirty="0"/>
               <a:t>12.2.8  Refining with Inheritance</a:t>
             </a:r>
+          </a:p>
+        </p:txBody>
+      </p:sp>
+      <p:sp>
+        <p:nvSpPr>
+          <p:cNvPr id="3" name="Content Placeholder 2"/>
+          <p:cNvSpPr>
+            <a:spLocks noGrp="1"/>
+          </p:cNvSpPr>
+          <p:nvPr>
+            <p:ph idx="1"/>
+          </p:nvPr>
+        </p:nvSpPr>
+        <p:spPr/>
+        <p:txBody>
+          <a:bodyPr/>
+          <a:lstStyle/>
+          <a:p>
+            <a:r>
+              <a:rPr lang="en-US" dirty="0"/>
+              <a:t>1.  Bottom-up generalization</a:t>
+            </a:r>
+          </a:p>
+          <a:p>
+            <a:r>
+              <a:rPr lang="en-US" dirty="0"/>
+              <a:t>Find classes with similar attributes, operations, and associations</a:t>
+            </a:r>
+          </a:p>
+          <a:p>
+            <a:r>
+              <a:rPr lang="en-US" dirty="0"/>
+              <a:t>Implement common features in a super class.</a:t>
+            </a:r>
+          </a:p>
+          <a:p>
+            <a:r>
+              <a:rPr lang="en-US" dirty="0"/>
+              <a:t>2.Top-down generalization</a:t>
+            </a:r>
+          </a:p>
+          <a:p>
+            <a:r>
+              <a:rPr lang="en-US" dirty="0"/>
+              <a:t>We are analyzing from application domain.</a:t>
+            </a:r>
+          </a:p>
+          <a:p>
+            <a:r>
+              <a:rPr lang="en-US" dirty="0"/>
+              <a:t>Look for noun </a:t>
+            </a:r>
+            <a:r>
+              <a:rPr lang="en-US" dirty="0" err="1"/>
+              <a:t>pharses</a:t>
+            </a:r>
+            <a:r>
+              <a:rPr lang="en-US" dirty="0"/>
+              <a:t> </a:t>
+            </a:r>
+            <a:r>
+              <a:rPr lang="en-US"/>
+              <a:t>in application</a:t>
+            </a:r>
+          </a:p>
+          <a:p>
             <a:endParaRPr lang="en-US" dirty="0"/>
-          </a:p>
-        </p:txBody>
-      </p:sp>
-      <p:sp>
-        <p:nvSpPr>
-          <p:cNvPr id="3" name="Content Placeholder 2"/>
-          <p:cNvSpPr>
-            <a:spLocks noGrp="1"/>
-          </p:cNvSpPr>
-          <p:nvPr>
-            <p:ph idx="1"/>
-          </p:nvPr>
-        </p:nvSpPr>
-        <p:spPr/>
-        <p:txBody>
-          <a:bodyPr/>
-          <a:lstStyle/>
-          <a:p>
-            <a:r>
-              <a:rPr lang="en-US" dirty="0" smtClean="0"/>
-              <a:t>1.  Bottom-up generalization</a:t>
-            </a:r>
-          </a:p>
-          <a:p>
-            <a:r>
-              <a:rPr lang="en-US" dirty="0" smtClean="0"/>
-              <a:t>Find classes with similar attributes, operations, and associations</a:t>
-            </a:r>
-          </a:p>
-          <a:p>
-            <a:r>
-              <a:rPr lang="en-US" dirty="0" smtClean="0"/>
-              <a:t>Implement common features in a super class.</a:t>
-            </a:r>
-          </a:p>
-          <a:p>
-            <a:r>
-              <a:rPr lang="en-US" dirty="0" smtClean="0"/>
-              <a:t>2.Top-down generalization</a:t>
-            </a:r>
-          </a:p>
-          <a:p>
-            <a:r>
-              <a:rPr lang="en-US" dirty="0" smtClean="0"/>
-              <a:t>We are analyzing from application domain.</a:t>
-            </a:r>
-          </a:p>
-          <a:p>
-            <a:r>
-              <a:rPr lang="en-US" dirty="0" smtClean="0"/>
-              <a:t>Look for noun </a:t>
-            </a:r>
-            <a:r>
-              <a:rPr lang="en-US" dirty="0" err="1" smtClean="0"/>
-              <a:t>pharses</a:t>
-            </a:r>
-            <a:r>
-              <a:rPr lang="en-US" dirty="0" smtClean="0"/>
-              <a:t> </a:t>
-            </a:r>
-            <a:r>
-              <a:rPr lang="en-US" smtClean="0"/>
-              <a:t>in application</a:t>
-            </a:r>
-          </a:p>
-          <a:p>
-            <a:endParaRPr lang="en-US" dirty="0" smtClean="0"/>
           </a:p>
         </p:txBody>
       </p:sp>
@@ -7754,10 +8114,9 @@
           <a:lstStyle/>
           <a:p>
             <a:r>
-              <a:rPr lang="en-US" dirty="0" smtClean="0"/>
+              <a:rPr lang="en-US" dirty="0"/>
               <a:t>12.2.9  Testing Access Paths</a:t>
             </a:r>
-            <a:endParaRPr lang="en-US" dirty="0"/>
           </a:p>
         </p:txBody>
       </p:sp>
@@ -7779,31 +8138,31 @@
           <a:lstStyle/>
           <a:p>
             <a:r>
-              <a:rPr lang="en-US" dirty="0" smtClean="0"/>
+              <a:rPr lang="en-US" dirty="0"/>
               <a:t>What this basically means is follow the associations shown in the model and test them</a:t>
             </a:r>
           </a:p>
           <a:p>
             <a:r>
-              <a:rPr lang="en-US" dirty="0" smtClean="0"/>
+              <a:rPr lang="en-US" dirty="0"/>
               <a:t>If you believe that ultimately there is a relationship between class X and class Y, it should be possible to get from class X to class Y by following links in the diagram</a:t>
             </a:r>
           </a:p>
           <a:p>
             <a:r>
-              <a:rPr lang="en-US" dirty="0" smtClean="0"/>
+              <a:rPr lang="en-US" dirty="0"/>
               <a:t>This is related to relational design in the following sense:</a:t>
             </a:r>
           </a:p>
           <a:p>
             <a:r>
-              <a:rPr lang="en-US" dirty="0" smtClean="0"/>
+              <a:rPr lang="en-US" dirty="0"/>
               <a:t>The book expresses the idea as following associations in order to answer queries</a:t>
             </a:r>
           </a:p>
           <a:p>
             <a:r>
-              <a:rPr lang="en-US" dirty="0" smtClean="0"/>
+              <a:rPr lang="en-US" dirty="0"/>
               <a:t>In other words, the associations should exist so that you can find out what’s related to what</a:t>
             </a:r>
           </a:p>
@@ -7899,16 +8258,15 @@
           <a:lstStyle/>
           <a:p>
             <a:r>
-              <a:rPr lang="en-US" dirty="0" smtClean="0"/>
+              <a:rPr lang="en-US" dirty="0"/>
               <a:t>As you follow the links, it may be important to pay attention to their cardinalities and ask in particular whether it will be possible to uniquely identify which one of many is under consideration when following a particular path</a:t>
             </a:r>
           </a:p>
           <a:p>
             <a:r>
-              <a:rPr lang="en-US" dirty="0" smtClean="0"/>
+              <a:rPr lang="en-US" dirty="0"/>
               <a:t>Once again, this question should ring a bell for someone interested in relational design</a:t>
             </a:r>
-            <a:endParaRPr lang="en-US" dirty="0"/>
           </a:p>
         </p:txBody>
       </p:sp>
@@ -7980,10 +8338,9 @@
           <a:lstStyle/>
           <a:p>
             <a:r>
-              <a:rPr lang="en-US" dirty="0" smtClean="0"/>
+              <a:rPr lang="en-US" dirty="0"/>
               <a:t>12.2.11  Shifting the Level of Abstraction</a:t>
             </a:r>
-            <a:endParaRPr lang="en-US" dirty="0"/>
           </a:p>
         </p:txBody>
       </p:sp>
@@ -8005,22 +8362,21 @@
           <a:lstStyle/>
           <a:p>
             <a:r>
-              <a:rPr lang="en-US" dirty="0" smtClean="0"/>
+              <a:rPr lang="en-US" dirty="0"/>
               <a:t>The background to this section is the idea that every noun in the problem domain may lead to a class in the design</a:t>
             </a:r>
           </a:p>
           <a:p>
             <a:r>
-              <a:rPr lang="en-US" dirty="0" smtClean="0"/>
+              <a:rPr lang="en-US" dirty="0"/>
               <a:t>In an improved design, this may no longer be true</a:t>
             </a:r>
           </a:p>
           <a:p>
             <a:r>
-              <a:rPr lang="en-US" dirty="0" smtClean="0"/>
+              <a:rPr lang="en-US" dirty="0"/>
               <a:t>The book gives an example which is essentially the same as an example used to illustrate the concept in the database modeling notes given earlier</a:t>
             </a:r>
-            <a:endParaRPr lang="en-US" dirty="0"/>
           </a:p>
         </p:txBody>
       </p:sp>
@@ -8109,28 +8465,27 @@
           <a:lstStyle/>
           <a:p>
             <a:r>
-              <a:rPr lang="en-US" dirty="0" smtClean="0"/>
+              <a:rPr lang="en-US" dirty="0"/>
               <a:t>You may have employees and bosses</a:t>
             </a:r>
           </a:p>
           <a:p>
             <a:r>
-              <a:rPr lang="en-US" dirty="0" smtClean="0"/>
+              <a:rPr lang="en-US" dirty="0"/>
               <a:t>Ultimately, they are both types of person, or you might say, roles that people play</a:t>
             </a:r>
           </a:p>
           <a:p>
             <a:r>
-              <a:rPr lang="en-US" dirty="0" smtClean="0"/>
+              <a:rPr lang="en-US" dirty="0"/>
               <a:t>The book illustrates this with a three layer management hierarchy</a:t>
             </a:r>
           </a:p>
           <a:p>
             <a:r>
-              <a:rPr lang="en-US" dirty="0" smtClean="0"/>
+              <a:rPr lang="en-US" dirty="0"/>
               <a:t>This can be replaced with a class in a relationship with itself, as shown on the following overhead</a:t>
             </a:r>
-            <a:endParaRPr lang="en-US" dirty="0"/>
           </a:p>
         </p:txBody>
       </p:sp>
@@ -8200,10 +8555,9 @@
           <a:lstStyle/>
           <a:p>
             <a:r>
-              <a:rPr lang="en-US" dirty="0" smtClean="0"/>
+              <a:rPr lang="en-US" dirty="0"/>
               <a:t>12.2  Domain Class Model</a:t>
             </a:r>
-            <a:endParaRPr lang="en-US" dirty="0"/>
           </a:p>
         </p:txBody>
       </p:sp>
@@ -8223,34 +8577,33 @@
           <a:lstStyle/>
           <a:p>
             <a:r>
-              <a:rPr lang="en-US" dirty="0" smtClean="0"/>
+              <a:rPr lang="en-US" dirty="0"/>
               <a:t>The following list summarizes the contents of the chapter, outlining the sequence of steps in analysis</a:t>
             </a:r>
           </a:p>
           <a:p>
             <a:r>
-              <a:rPr lang="en-US" dirty="0" smtClean="0"/>
+              <a:rPr lang="en-US" dirty="0"/>
               <a:t>Find classes.  [12.2.1-12.2.2]</a:t>
             </a:r>
           </a:p>
           <a:p>
             <a:r>
-              <a:rPr lang="en-US" dirty="0" smtClean="0"/>
+              <a:rPr lang="en-US" dirty="0"/>
               <a:t>Prepare a data dictionary.  [12.2.3]</a:t>
             </a:r>
           </a:p>
           <a:p>
             <a:r>
-              <a:rPr lang="en-US" dirty="0" smtClean="0"/>
+              <a:rPr lang="en-US" dirty="0"/>
               <a:t>Find associations.  [12.2.4-12.2.5]</a:t>
             </a:r>
           </a:p>
           <a:p>
             <a:r>
-              <a:rPr lang="en-US" dirty="0" smtClean="0"/>
+              <a:rPr lang="en-US" dirty="0"/>
               <a:t>Find attributes of objects and links.  [12.2.6-12.2.7]</a:t>
             </a:r>
-            <a:endParaRPr lang="en-US" dirty="0"/>
           </a:p>
         </p:txBody>
       </p:sp>
@@ -8425,10 +8778,9 @@
           <a:lstStyle/>
           <a:p>
             <a:r>
-              <a:rPr lang="en-US" dirty="0" smtClean="0"/>
+              <a:rPr lang="en-US" dirty="0"/>
               <a:t>12.2.12  Grouping Classes into Packages</a:t>
             </a:r>
-            <a:endParaRPr lang="en-US" dirty="0"/>
           </a:p>
         </p:txBody>
       </p:sp>
@@ -8450,28 +8802,27 @@
           <a:lstStyle/>
           <a:p>
             <a:r>
-              <a:rPr lang="en-US" dirty="0" smtClean="0"/>
+              <a:rPr lang="en-US" dirty="0"/>
               <a:t>This is somewhat of a dark art, and even the ATM example is still too small to illustrate this realistically</a:t>
             </a:r>
           </a:p>
           <a:p>
             <a:r>
-              <a:rPr lang="en-US" dirty="0" smtClean="0"/>
+              <a:rPr lang="en-US" dirty="0"/>
               <a:t>The book gives two interesting ideas that are helpful in finally understanding how to go about this</a:t>
             </a:r>
           </a:p>
           <a:p>
             <a:r>
-              <a:rPr lang="en-US" dirty="0" smtClean="0"/>
+              <a:rPr lang="en-US" dirty="0"/>
               <a:t>1.  In a sense, the motivation stems from UML diagrams</a:t>
             </a:r>
           </a:p>
           <a:p>
             <a:r>
-              <a:rPr lang="en-US" dirty="0" smtClean="0"/>
+              <a:rPr lang="en-US" dirty="0"/>
               <a:t>The goal is to divide classes into packages in a way that allows for clean UML diagrams</a:t>
             </a:r>
-            <a:endParaRPr lang="en-US" dirty="0"/>
           </a:p>
         </p:txBody>
       </p:sp>
@@ -8562,28 +8913,27 @@
           <a:lstStyle/>
           <a:p>
             <a:r>
-              <a:rPr lang="en-US" dirty="0" smtClean="0"/>
+              <a:rPr lang="en-US" dirty="0"/>
               <a:t>2.  The separation of classes into packages also has semantic meaning</a:t>
             </a:r>
           </a:p>
           <a:p>
             <a:r>
-              <a:rPr lang="en-US" dirty="0" smtClean="0"/>
+              <a:rPr lang="en-US" dirty="0"/>
               <a:t>In other words, classes that are put together in one package should be more closely related than classes in different packages</a:t>
             </a:r>
           </a:p>
           <a:p>
             <a:r>
-              <a:rPr lang="en-US" dirty="0" smtClean="0"/>
+              <a:rPr lang="en-US" dirty="0"/>
               <a:t>The UML motivation and the semantic motivation are connected</a:t>
             </a:r>
           </a:p>
           <a:p>
             <a:r>
-              <a:rPr lang="en-US" dirty="0" smtClean="0"/>
+              <a:rPr lang="en-US" dirty="0"/>
               <a:t>If classes are semantically grouped, then the UML diagrams for the packages should be self-contained and consistent</a:t>
             </a:r>
-            <a:endParaRPr lang="en-US" dirty="0"/>
           </a:p>
         </p:txBody>
       </p:sp>
@@ -8672,22 +9022,21 @@
           <a:lstStyle/>
           <a:p>
             <a:r>
-              <a:rPr lang="en-US" dirty="0" smtClean="0"/>
+              <a:rPr lang="en-US" dirty="0"/>
               <a:t>Such a cut point class can be in both of the packages that it connects</a:t>
             </a:r>
           </a:p>
           <a:p>
             <a:r>
-              <a:rPr lang="en-US" dirty="0" smtClean="0"/>
+              <a:rPr lang="en-US" dirty="0"/>
               <a:t>Then when diagramming the model, subdivided into packages, there will be no lines between the packages</a:t>
             </a:r>
           </a:p>
           <a:p>
             <a:r>
-              <a:rPr lang="en-US" dirty="0" smtClean="0"/>
+              <a:rPr lang="en-US" dirty="0"/>
               <a:t>Their connection is embodied by the presence of the common class in each of them</a:t>
             </a:r>
-            <a:endParaRPr lang="en-US" dirty="0"/>
           </a:p>
         </p:txBody>
       </p:sp>
@@ -8776,22 +9125,21 @@
           <a:lstStyle/>
           <a:p>
             <a:r>
-              <a:rPr lang="en-US" dirty="0" smtClean="0"/>
+              <a:rPr lang="en-US" dirty="0"/>
               <a:t>As noted, the ATM model is still too small to be broken down into packages</a:t>
             </a:r>
           </a:p>
           <a:p>
             <a:r>
-              <a:rPr lang="en-US" dirty="0" smtClean="0"/>
+              <a:rPr lang="en-US" dirty="0"/>
               <a:t>However, the book suggests in outline form groupings that could become packages:</a:t>
             </a:r>
           </a:p>
           <a:p>
             <a:r>
-              <a:rPr lang="en-US" dirty="0" smtClean="0"/>
+              <a:rPr lang="en-US" dirty="0"/>
               <a:t>1.  A teller package, including:  cashier, entry station, cashier station, ATM</a:t>
             </a:r>
-            <a:endParaRPr lang="en-US" dirty="0"/>
           </a:p>
         </p:txBody>
       </p:sp>
@@ -8880,16 +9228,15 @@
           <a:lstStyle/>
           <a:p>
             <a:r>
-              <a:rPr lang="en-US" dirty="0" smtClean="0"/>
+              <a:rPr lang="en-US" dirty="0"/>
               <a:t>2.  An account package, including:  account, cash card, card authorization, customer, transaction, update, cashier transaction, remote transaction</a:t>
             </a:r>
           </a:p>
           <a:p>
             <a:r>
-              <a:rPr lang="en-US" dirty="0" smtClean="0"/>
+              <a:rPr lang="en-US" dirty="0"/>
               <a:t>3.  A bank package, including:  consortium, bank</a:t>
             </a:r>
-            <a:endParaRPr lang="en-US" dirty="0"/>
           </a:p>
         </p:txBody>
       </p:sp>
@@ -8959,10 +9306,9 @@
           <a:lstStyle/>
           <a:p>
             <a:r>
-              <a:rPr lang="en-US" dirty="0" smtClean="0"/>
+              <a:rPr lang="en-US" dirty="0"/>
               <a:t>12.3  Domain State Model</a:t>
             </a:r>
-            <a:endParaRPr lang="en-US" dirty="0"/>
           </a:p>
         </p:txBody>
       </p:sp>
@@ -8984,28 +9330,27 @@
           <a:lstStyle/>
           <a:p>
             <a:r>
-              <a:rPr lang="en-US" dirty="0" smtClean="0"/>
+              <a:rPr lang="en-US" dirty="0"/>
               <a:t>Most objects in a model probably do not have states, or states worthy of modeling</a:t>
             </a:r>
           </a:p>
           <a:p>
             <a:r>
-              <a:rPr lang="en-US" dirty="0" smtClean="0"/>
+              <a:rPr lang="en-US" dirty="0"/>
               <a:t>Their use is concisely given by listing their attributes and operations</a:t>
             </a:r>
           </a:p>
           <a:p>
             <a:r>
-              <a:rPr lang="en-US" dirty="0" smtClean="0"/>
+              <a:rPr lang="en-US" dirty="0"/>
               <a:t>However, some objects may pass through different states which are significant to the modeling of the system</a:t>
             </a:r>
           </a:p>
           <a:p>
             <a:r>
-              <a:rPr lang="en-US" dirty="0" smtClean="0"/>
+              <a:rPr lang="en-US" dirty="0"/>
               <a:t>In these cases it’s useful to develop a domain state model and diagram it</a:t>
             </a:r>
-            <a:endParaRPr lang="en-US" dirty="0"/>
           </a:p>
         </p:txBody>
       </p:sp>
@@ -9094,40 +9439,39 @@
           <a:lstStyle/>
           <a:p>
             <a:r>
-              <a:rPr lang="en-US" dirty="0" smtClean="0"/>
+              <a:rPr lang="en-US" dirty="0"/>
               <a:t>These are the steps in constructing a domain state model:</a:t>
             </a:r>
           </a:p>
           <a:p>
             <a:r>
-              <a:rPr lang="en-US" dirty="0" smtClean="0"/>
+              <a:rPr lang="en-US" dirty="0"/>
               <a:t>1.  Identify domain classes with states [12.3.1]</a:t>
             </a:r>
           </a:p>
           <a:p>
             <a:r>
-              <a:rPr lang="en-US" dirty="0" smtClean="0"/>
+              <a:rPr lang="en-US" dirty="0"/>
               <a:t>2.  Find states [12.3.2]</a:t>
             </a:r>
           </a:p>
           <a:p>
             <a:r>
-              <a:rPr lang="en-US" dirty="0" smtClean="0"/>
+              <a:rPr lang="en-US" dirty="0"/>
               <a:t>3.  Find events [12.3.3]</a:t>
             </a:r>
           </a:p>
           <a:p>
             <a:r>
-              <a:rPr lang="en-US" dirty="0" smtClean="0"/>
+              <a:rPr lang="en-US" dirty="0"/>
               <a:t>4.  Build state diagrams [12.3.4]</a:t>
             </a:r>
           </a:p>
           <a:p>
             <a:r>
-              <a:rPr lang="en-US" dirty="0" smtClean="0"/>
+              <a:rPr lang="en-US" dirty="0"/>
               <a:t>5.  Evaluate state diagrams [12.3.5]</a:t>
             </a:r>
-            <a:endParaRPr lang="en-US" dirty="0"/>
           </a:p>
         </p:txBody>
       </p:sp>
@@ -9199,10 +9543,9 @@
           <a:lstStyle/>
           <a:p>
             <a:r>
-              <a:rPr lang="en-US" dirty="0" smtClean="0"/>
+              <a:rPr lang="en-US" dirty="0"/>
               <a:t>12.3.1  Identifying Classes with States</a:t>
             </a:r>
-            <a:endParaRPr lang="en-US" dirty="0"/>
           </a:p>
         </p:txBody>
       </p:sp>
@@ -9224,34 +9567,33 @@
           <a:lstStyle/>
           <a:p>
             <a:r>
-              <a:rPr lang="en-US" dirty="0" smtClean="0"/>
+              <a:rPr lang="en-US" dirty="0"/>
               <a:t>Search for classes where objects of that class have an identifiable life cycle or history</a:t>
             </a:r>
           </a:p>
           <a:p>
             <a:r>
-              <a:rPr lang="en-US" dirty="0" smtClean="0"/>
+              <a:rPr lang="en-US" dirty="0"/>
               <a:t>This can be truly cyclic, where an object returns to an initial state</a:t>
             </a:r>
           </a:p>
           <a:p>
             <a:r>
-              <a:rPr lang="en-US" dirty="0" smtClean="0"/>
+              <a:rPr lang="en-US" dirty="0"/>
               <a:t>It can also be progressive, running from one state to the next until the end</a:t>
             </a:r>
           </a:p>
           <a:p>
             <a:r>
-              <a:rPr lang="en-US" dirty="0" smtClean="0"/>
+              <a:rPr lang="en-US" dirty="0"/>
               <a:t>The ATM Account class is the only one with significant state</a:t>
             </a:r>
           </a:p>
           <a:p>
             <a:r>
-              <a:rPr lang="en-US" dirty="0" smtClean="0"/>
+              <a:rPr lang="en-US" dirty="0"/>
               <a:t>Its life cycle is a mixture of progressive and cyclic changes of state</a:t>
             </a:r>
-            <a:endParaRPr lang="en-US" dirty="0"/>
           </a:p>
         </p:txBody>
       </p:sp>
@@ -9321,10 +9663,9 @@
           <a:lstStyle/>
           <a:p>
             <a:r>
-              <a:rPr lang="en-US" dirty="0" smtClean="0"/>
+              <a:rPr lang="en-US" dirty="0"/>
               <a:t>12.3.2  Finding States</a:t>
             </a:r>
-            <a:endParaRPr lang="en-US" dirty="0"/>
           </a:p>
         </p:txBody>
       </p:sp>
@@ -9346,22 +9687,21 @@
           <a:lstStyle/>
           <a:p>
             <a:r>
-              <a:rPr lang="en-US" dirty="0" smtClean="0"/>
+              <a:rPr lang="en-US" dirty="0"/>
               <a:t>States, fundamentally, are captured by the values attributes have and the associations with particular other objects that a given object is in</a:t>
             </a:r>
           </a:p>
           <a:p>
             <a:r>
-              <a:rPr lang="en-US" dirty="0" smtClean="0"/>
+              <a:rPr lang="en-US" dirty="0"/>
               <a:t>The idea of a state might arise from the problem domain, but it will be reflected in values associated with an instance</a:t>
             </a:r>
           </a:p>
           <a:p>
             <a:r>
-              <a:rPr lang="en-US" dirty="0" smtClean="0"/>
+              <a:rPr lang="en-US" dirty="0"/>
               <a:t>You might find a particular configuration of values and also decide that this represents a significant state in the model</a:t>
             </a:r>
-            <a:endParaRPr lang="en-US" dirty="0"/>
           </a:p>
         </p:txBody>
       </p:sp>
@@ -9431,34 +9771,33 @@
           <a:lstStyle/>
           <a:p>
             <a:r>
-              <a:rPr lang="en-US" dirty="0" smtClean="0"/>
+              <a:rPr lang="en-US" dirty="0"/>
               <a:t>Organize and simplify classes using inheritance.  [12.2.8]</a:t>
             </a:r>
           </a:p>
           <a:p>
             <a:r>
-              <a:rPr lang="en-US" dirty="0" smtClean="0"/>
+              <a:rPr lang="en-US" dirty="0"/>
               <a:t>Verify that access paths exist for likely queries.  [12.2.9]</a:t>
             </a:r>
           </a:p>
           <a:p>
             <a:r>
-              <a:rPr lang="en-US" dirty="0" smtClean="0"/>
+              <a:rPr lang="en-US" dirty="0"/>
               <a:t>Iterate and refine the model.  [12.2.10]</a:t>
             </a:r>
           </a:p>
           <a:p>
             <a:r>
-              <a:rPr lang="en-US" dirty="0" smtClean="0"/>
+              <a:rPr lang="en-US" dirty="0"/>
               <a:t>Reconsider the level of abstraction.  [12.2.11]</a:t>
             </a:r>
           </a:p>
           <a:p>
             <a:r>
-              <a:rPr lang="en-US" dirty="0" smtClean="0"/>
+              <a:rPr lang="en-US" dirty="0"/>
               <a:t>Group classes into packages.  [12.2.12]</a:t>
             </a:r>
-            <a:endParaRPr lang="en-US" dirty="0"/>
           </a:p>
         </p:txBody>
       </p:sp>
@@ -9549,22 +9888,21 @@
           <a:lstStyle/>
           <a:p>
             <a:r>
-              <a:rPr lang="en-US" dirty="0" smtClean="0"/>
+              <a:rPr lang="en-US" dirty="0"/>
               <a:t>States should be given a descriptive name that describes what they are, not how they came about</a:t>
             </a:r>
           </a:p>
           <a:p>
             <a:r>
-              <a:rPr lang="en-US" dirty="0" smtClean="0"/>
+              <a:rPr lang="en-US" dirty="0"/>
               <a:t>Although states are based on values, differences between states should be describable as differences in quality, not just quantity of some attribute, for example</a:t>
             </a:r>
           </a:p>
           <a:p>
             <a:r>
-              <a:rPr lang="en-US" dirty="0" smtClean="0"/>
+              <a:rPr lang="en-US" dirty="0"/>
               <a:t>The behavior of an object should be related to the state that it’s in</a:t>
             </a:r>
-            <a:endParaRPr lang="en-US" dirty="0"/>
           </a:p>
         </p:txBody>
       </p:sp>
@@ -9653,28 +9991,27 @@
           <a:lstStyle/>
           <a:p>
             <a:r>
-              <a:rPr lang="en-US" dirty="0" smtClean="0"/>
+              <a:rPr lang="en-US" dirty="0"/>
               <a:t>Not all states may be apparent before a model is complete</a:t>
             </a:r>
           </a:p>
           <a:p>
             <a:r>
-              <a:rPr lang="en-US" dirty="0" smtClean="0"/>
+              <a:rPr lang="en-US" dirty="0"/>
               <a:t>However, the idea that something has state should be identifiable earlier on</a:t>
             </a:r>
           </a:p>
           <a:p>
             <a:r>
-              <a:rPr lang="en-US" dirty="0" smtClean="0"/>
+              <a:rPr lang="en-US" dirty="0"/>
               <a:t>In the ATM model, the Account class has state.</a:t>
             </a:r>
           </a:p>
           <a:p>
             <a:r>
-              <a:rPr lang="en-US" dirty="0" smtClean="0"/>
+              <a:rPr lang="en-US" dirty="0"/>
               <a:t>Here are examples of particular states:  Normal, Closed, Overdrawn, Suspended</a:t>
             </a:r>
-            <a:endParaRPr lang="en-US" dirty="0"/>
           </a:p>
         </p:txBody>
       </p:sp>
@@ -9744,10 +10081,9 @@
           <a:lstStyle/>
           <a:p>
             <a:r>
-              <a:rPr lang="en-US" dirty="0" smtClean="0"/>
+              <a:rPr lang="en-US" dirty="0"/>
               <a:t>12.3.3  Finding Events</a:t>
             </a:r>
-            <a:endParaRPr lang="en-US" dirty="0"/>
           </a:p>
         </p:txBody>
       </p:sp>
@@ -9767,25 +10103,25 @@
           <a:lstStyle/>
           <a:p>
             <a:r>
-              <a:rPr lang="en-US" dirty="0" smtClean="0"/>
+              <a:rPr lang="en-US" dirty="0"/>
               <a:t>The events of interest are events that cause the states of objects to change</a:t>
             </a:r>
           </a:p>
           <a:p>
             <a:r>
-              <a:rPr lang="en-US" dirty="0" smtClean="0"/>
+              <a:rPr lang="en-US" dirty="0"/>
               <a:t>An easy analytical approach is to ask:</a:t>
             </a:r>
           </a:p>
           <a:p>
             <a:r>
-              <a:rPr lang="en-US" dirty="0" smtClean="0"/>
+              <a:rPr lang="en-US" dirty="0"/>
               <a:t>What causes a state to be initiated or entered?</a:t>
             </a:r>
           </a:p>
           <a:p>
             <a:r>
-              <a:rPr lang="en-US" dirty="0" smtClean="0"/>
+              <a:rPr lang="en-US" dirty="0"/>
               <a:t>What causes a state to end or be left?</a:t>
             </a:r>
           </a:p>
@@ -9879,28 +10215,27 @@
           <a:lstStyle/>
           <a:p>
             <a:r>
-              <a:rPr lang="en-US" dirty="0" smtClean="0"/>
+              <a:rPr lang="en-US" dirty="0"/>
               <a:t>Keep in mind that you’re modeling now, not coding</a:t>
             </a:r>
           </a:p>
           <a:p>
             <a:r>
-              <a:rPr lang="en-US" dirty="0" smtClean="0"/>
+              <a:rPr lang="en-US" dirty="0"/>
               <a:t>You are not interested in GUI events</a:t>
             </a:r>
           </a:p>
           <a:p>
             <a:r>
-              <a:rPr lang="en-US" dirty="0" smtClean="0"/>
+              <a:rPr lang="en-US" dirty="0"/>
               <a:t>You’re interested in domain events</a:t>
             </a:r>
           </a:p>
           <a:p>
             <a:r>
-              <a:rPr lang="en-US" dirty="0" smtClean="0"/>
+              <a:rPr lang="en-US" dirty="0"/>
               <a:t>Here are examples of events in the ATM model:  Close account, withdraw excess funds, repeated incorrect PIN, suspected fraud, and administrative action</a:t>
             </a:r>
-            <a:endParaRPr lang="en-US" dirty="0"/>
           </a:p>
         </p:txBody>
       </p:sp>
@@ -9970,10 +10305,9 @@
           <a:lstStyle/>
           <a:p>
             <a:r>
-              <a:rPr lang="en-US" dirty="0" smtClean="0"/>
+              <a:rPr lang="en-US" dirty="0"/>
               <a:t>12.3.4  Building State Diagrams</a:t>
             </a:r>
-            <a:endParaRPr lang="en-US" dirty="0"/>
           </a:p>
         </p:txBody>
       </p:sp>
@@ -9995,19 +10329,19 @@
           <a:lstStyle/>
           <a:p>
             <a:r>
-              <a:rPr lang="en-US" dirty="0" smtClean="0"/>
+              <a:rPr lang="en-US" dirty="0"/>
               <a:t>In the a diagram a state is an oval and an event/transition is an arrow</a:t>
             </a:r>
           </a:p>
           <a:p>
             <a:r>
-              <a:rPr lang="en-US" dirty="0" smtClean="0"/>
+              <a:rPr lang="en-US" dirty="0"/>
               <a:t>Analytically, for each state, you want to consider what events are possible</a:t>
             </a:r>
           </a:p>
           <a:p>
             <a:r>
-              <a:rPr lang="en-US" dirty="0" smtClean="0"/>
+              <a:rPr lang="en-US" dirty="0"/>
               <a:t>For each state/event pair, you need to determine what other state, if any, this leads to</a:t>
             </a:r>
           </a:p>
@@ -10182,10 +10516,9 @@
           <a:lstStyle/>
           <a:p>
             <a:r>
-              <a:rPr lang="en-US" dirty="0" smtClean="0"/>
+              <a:rPr lang="en-US" dirty="0"/>
               <a:t>12.4  Domain Interaction Model</a:t>
             </a:r>
-            <a:endParaRPr lang="en-US" dirty="0"/>
           </a:p>
         </p:txBody>
       </p:sp>
@@ -10205,20 +10538,15 @@
           <a:lstStyle/>
           <a:p>
             <a:r>
-              <a:rPr lang="en-US" dirty="0" smtClean="0"/>
+              <a:rPr lang="en-US" dirty="0"/>
               <a:t>This term refers to an analysis of user interactions with the system</a:t>
             </a:r>
           </a:p>
           <a:p>
             <a:r>
-              <a:rPr lang="en-US" dirty="0" smtClean="0"/>
-              <a:t>It is not pursued </a:t>
-            </a:r>
-            <a:r>
-              <a:rPr lang="en-US" dirty="0" smtClean="0"/>
-              <a:t>here.</a:t>
-            </a:r>
-            <a:endParaRPr lang="en-US" dirty="0"/>
+              <a:rPr lang="en-US" dirty="0"/>
+              <a:t>It is not pursued here.</a:t>
+            </a:r>
           </a:p>
         </p:txBody>
       </p:sp>
@@ -10288,10 +10616,9 @@
           <a:lstStyle/>
           <a:p>
             <a:r>
-              <a:rPr lang="en-US" dirty="0" smtClean="0"/>
+              <a:rPr lang="en-US" dirty="0"/>
               <a:t>12.5  Iterating the Analysis</a:t>
             </a:r>
-            <a:endParaRPr lang="en-US" dirty="0"/>
           </a:p>
         </p:txBody>
       </p:sp>
@@ -10313,46 +10640,45 @@
           <a:lstStyle/>
           <a:p>
             <a:r>
-              <a:rPr lang="en-US" dirty="0" smtClean="0"/>
+              <a:rPr lang="en-US" dirty="0"/>
               <a:t>This is just a statement of the obvious</a:t>
             </a:r>
           </a:p>
           <a:p>
             <a:r>
-              <a:rPr lang="en-US" dirty="0" smtClean="0"/>
+              <a:rPr lang="en-US" dirty="0"/>
               <a:t>You typically have to go through the analysis process more than once</a:t>
             </a:r>
           </a:p>
           <a:p>
             <a:r>
-              <a:rPr lang="en-US" dirty="0" smtClean="0"/>
+              <a:rPr lang="en-US" dirty="0"/>
               <a:t>The first pass will give a first approximation</a:t>
             </a:r>
           </a:p>
           <a:p>
             <a:r>
-              <a:rPr lang="en-US" dirty="0" smtClean="0"/>
+              <a:rPr lang="en-US" dirty="0"/>
               <a:t>Following passes will refine the model</a:t>
             </a:r>
           </a:p>
           <a:p>
             <a:r>
-              <a:rPr lang="en-US" dirty="0" smtClean="0"/>
+              <a:rPr lang="en-US" dirty="0"/>
               <a:t>This is not just the result of human failings</a:t>
             </a:r>
           </a:p>
           <a:p>
             <a:r>
-              <a:rPr lang="en-US" dirty="0" smtClean="0"/>
+              <a:rPr lang="en-US" dirty="0"/>
               <a:t>It stems from the fact that parts of the design depend on each other</a:t>
             </a:r>
           </a:p>
           <a:p>
             <a:r>
-              <a:rPr lang="en-US" dirty="0" smtClean="0"/>
+              <a:rPr lang="en-US" dirty="0"/>
               <a:t>You can’t understand one until you understand the other—and vice-versa</a:t>
             </a:r>
-            <a:endParaRPr lang="en-US" dirty="0"/>
           </a:p>
         </p:txBody>
       </p:sp>
@@ -10422,10 +10748,9 @@
           <a:lstStyle/>
           <a:p>
             <a:r>
-              <a:rPr lang="en-US" dirty="0" smtClean="0"/>
+              <a:rPr lang="en-US" dirty="0"/>
               <a:t>12.5.1  Refining the Analysis Model</a:t>
             </a:r>
-            <a:endParaRPr lang="en-US" dirty="0"/>
           </a:p>
         </p:txBody>
       </p:sp>
@@ -10445,22 +10770,21 @@
           <a:lstStyle/>
           <a:p>
             <a:r>
-              <a:rPr lang="en-US" dirty="0" smtClean="0"/>
+              <a:rPr lang="en-US" dirty="0"/>
               <a:t>A large model will consist of multiple parts</a:t>
             </a:r>
           </a:p>
           <a:p>
             <a:r>
-              <a:rPr lang="en-US" dirty="0" smtClean="0"/>
+              <a:rPr lang="en-US" dirty="0"/>
               <a:t>When refining, you can work from the top down, using the divide and conquer approach</a:t>
             </a:r>
           </a:p>
           <a:p>
             <a:r>
-              <a:rPr lang="en-US" dirty="0" smtClean="0"/>
+              <a:rPr lang="en-US" dirty="0"/>
               <a:t>This works all the way down to individual classes and attributes</a:t>
             </a:r>
-            <a:endParaRPr lang="en-US" dirty="0"/>
           </a:p>
         </p:txBody>
       </p:sp>
@@ -10549,28 +10873,27 @@
           <a:lstStyle/>
           <a:p>
             <a:r>
-              <a:rPr lang="en-US" dirty="0" smtClean="0"/>
+              <a:rPr lang="en-US" dirty="0"/>
               <a:t>Signs of problems include:</a:t>
             </a:r>
           </a:p>
           <a:p>
             <a:r>
-              <a:rPr lang="en-US" dirty="0" smtClean="0"/>
+              <a:rPr lang="en-US" dirty="0"/>
               <a:t>1.  Lots of classes that are similar, but not quite the same</a:t>
             </a:r>
           </a:p>
           <a:p>
             <a:r>
-              <a:rPr lang="en-US" dirty="0" smtClean="0"/>
+              <a:rPr lang="en-US" dirty="0"/>
               <a:t>This is a sign of not having generalized correctly</a:t>
             </a:r>
           </a:p>
           <a:p>
             <a:r>
-              <a:rPr lang="en-US" dirty="0" smtClean="0"/>
+              <a:rPr lang="en-US" dirty="0"/>
               <a:t>In particular, you may have tried to generalize, but you should have generalized on an alternative set of shared attributes</a:t>
             </a:r>
-            <a:endParaRPr lang="en-US" dirty="0"/>
           </a:p>
         </p:txBody>
       </p:sp>
@@ -10640,10 +10963,9 @@
           <a:lstStyle/>
           <a:p>
             <a:r>
-              <a:rPr lang="en-US" dirty="0" smtClean="0"/>
+              <a:rPr lang="en-US" dirty="0"/>
               <a:t>Finding Classes</a:t>
             </a:r>
-            <a:endParaRPr lang="en-US" dirty="0"/>
           </a:p>
         </p:txBody>
       </p:sp>
@@ -10766,28 +11088,27 @@
           <a:lstStyle/>
           <a:p>
             <a:r>
-              <a:rPr lang="en-US" dirty="0" smtClean="0"/>
+              <a:rPr lang="en-US" dirty="0"/>
               <a:t>2.  You have combined more than one concept into a class</a:t>
             </a:r>
           </a:p>
           <a:p>
             <a:r>
-              <a:rPr lang="en-US" dirty="0" smtClean="0"/>
+              <a:rPr lang="en-US" dirty="0"/>
               <a:t>This can happened because a physical entity has more than one logical aspect</a:t>
             </a:r>
           </a:p>
           <a:p>
             <a:r>
-              <a:rPr lang="en-US" dirty="0" smtClean="0"/>
+              <a:rPr lang="en-US" dirty="0"/>
               <a:t>You have tried to model the physical entity as one class</a:t>
             </a:r>
           </a:p>
           <a:p>
             <a:r>
-              <a:rPr lang="en-US" dirty="0" smtClean="0"/>
+              <a:rPr lang="en-US" dirty="0"/>
               <a:t>Instead, the different logical aspects should be modeled as separate classes</a:t>
             </a:r>
-            <a:endParaRPr lang="en-US" dirty="0"/>
           </a:p>
         </p:txBody>
       </p:sp>
@@ -10876,16 +11197,15 @@
           <a:lstStyle/>
           <a:p>
             <a:r>
-              <a:rPr lang="en-US" dirty="0" smtClean="0"/>
+              <a:rPr lang="en-US" dirty="0"/>
               <a:t>3.  If your model seems to embody many exceptions or special cases, that may be a sign that something was missed in analysis</a:t>
             </a:r>
           </a:p>
           <a:p>
             <a:r>
-              <a:rPr lang="en-US" dirty="0" smtClean="0"/>
+              <a:rPr lang="en-US" dirty="0"/>
               <a:t>4.  If you expected certain things to appear symmetrically in the model, and they don’t, this may mean that you overlooked something (or had false expectations…)</a:t>
             </a:r>
-            <a:endParaRPr lang="en-US" dirty="0"/>
           </a:p>
         </p:txBody>
       </p:sp>
@@ -10976,22 +11296,21 @@
           <a:lstStyle/>
           <a:p>
             <a:r>
-              <a:rPr lang="en-US" dirty="0" smtClean="0"/>
+              <a:rPr lang="en-US" dirty="0"/>
               <a:t>5.  A model may be inappropriate if it too rigidly captures details of current business practice</a:t>
             </a:r>
           </a:p>
           <a:p>
             <a:r>
-              <a:rPr lang="en-US" dirty="0" smtClean="0"/>
+              <a:rPr lang="en-US" dirty="0"/>
               <a:t>A good model will be abstract enough that will allow for changes in specific business practices in the future</a:t>
             </a:r>
           </a:p>
           <a:p>
             <a:r>
-              <a:rPr lang="en-US" dirty="0" smtClean="0"/>
+              <a:rPr lang="en-US" dirty="0"/>
               <a:t>It is difficult to quantify flexibility and how much flexibility is needed, but it is still an important analysis concept</a:t>
             </a:r>
-            <a:endParaRPr lang="en-US" dirty="0"/>
           </a:p>
         </p:txBody>
       </p:sp>
@@ -11061,10 +11380,9 @@
           <a:lstStyle/>
           <a:p>
             <a:r>
-              <a:rPr lang="en-US" dirty="0" smtClean="0"/>
+              <a:rPr lang="en-US" dirty="0"/>
               <a:t>12.5.2  Restating the Requirements</a:t>
             </a:r>
-            <a:endParaRPr lang="en-US" dirty="0"/>
           </a:p>
         </p:txBody>
       </p:sp>
@@ -11084,16 +11402,15 @@
           <a:lstStyle/>
           <a:p>
             <a:r>
-              <a:rPr lang="en-US" dirty="0" smtClean="0"/>
+              <a:rPr lang="en-US" dirty="0"/>
               <a:t>The model resulting from the analysis process may not agree exactly with the requirements that were given at the beginning of the process</a:t>
             </a:r>
           </a:p>
           <a:p>
             <a:r>
-              <a:rPr lang="en-US" dirty="0" smtClean="0"/>
+              <a:rPr lang="en-US" dirty="0"/>
               <a:t>Revised requirements should be explicitly written down, and they should be verified with the users who originally requested the system</a:t>
             </a:r>
-            <a:endParaRPr lang="en-US" dirty="0"/>
           </a:p>
         </p:txBody>
       </p:sp>
@@ -11163,10 +11480,9 @@
           <a:lstStyle/>
           <a:p>
             <a:r>
-              <a:rPr lang="en-US" dirty="0" smtClean="0"/>
+              <a:rPr lang="en-US" dirty="0"/>
               <a:t>12.5.3  Analysis and Design</a:t>
             </a:r>
-            <a:endParaRPr lang="en-US" dirty="0"/>
           </a:p>
         </p:txBody>
       </p:sp>
@@ -11186,22 +11502,21 @@
           <a:lstStyle/>
           <a:p>
             <a:r>
-              <a:rPr lang="en-US" dirty="0" smtClean="0"/>
+              <a:rPr lang="en-US" dirty="0"/>
               <a:t>Dividing analysis and design into two steps is a convenient application of divide and conquer</a:t>
             </a:r>
           </a:p>
           <a:p>
             <a:r>
-              <a:rPr lang="en-US" dirty="0" smtClean="0"/>
+              <a:rPr lang="en-US" dirty="0"/>
               <a:t>The idea is that analysis proceeds without any preconceived ideas about how the system might be implemented</a:t>
             </a:r>
           </a:p>
           <a:p>
             <a:r>
-              <a:rPr lang="en-US" dirty="0" smtClean="0"/>
+              <a:rPr lang="en-US" dirty="0"/>
               <a:t>The reality is that analysis is never done in a complete vacuum</a:t>
             </a:r>
-            <a:endParaRPr lang="en-US" dirty="0"/>
           </a:p>
         </p:txBody>
       </p:sp>
